--- a/Midterm_Presentation.pptx
+++ b/Midterm_Presentation.pptx
@@ -13,7 +13,7 @@
     <p:sldId id="303" r:id="rId7"/>
     <p:sldId id="300" r:id="rId8"/>
     <p:sldId id="301" r:id="rId9"/>
-    <p:sldId id="305" r:id="rId10"/>
+    <p:sldId id="306" r:id="rId10"/>
     <p:sldId id="297" r:id="rId11"/>
     <p:sldId id="291" r:id="rId12"/>
   </p:sldIdLst>
@@ -1163,7 +1163,7 @@
           <a:p>
             <a:fld id="{C43A76A3-ADC8-4477-8FC1-B9DD55D84908}" type="datetime1">
               <a:rPr lang="en-US" smtClean="0"/>
-              <a:t>2/14/24</a:t>
+              <a:t>2/21/24</a:t>
             </a:fld>
             <a:endParaRPr lang="en-US" dirty="0"/>
           </a:p>
@@ -1361,7 +1361,7 @@
           <a:p>
             <a:fld id="{D6762538-DC4D-4667-96E5-B3278DDF8B12}" type="datetime1">
               <a:rPr lang="en-US" smtClean="0"/>
-              <a:t>2/14/24</a:t>
+              <a:t>2/21/24</a:t>
             </a:fld>
             <a:endParaRPr lang="en-US"/>
           </a:p>
@@ -1569,7 +1569,7 @@
           <a:p>
             <a:fld id="{05880548-5C08-4BE3-B63E-F2BB63B0B00C}" type="datetime1">
               <a:rPr lang="en-US" smtClean="0"/>
-              <a:t>2/14/24</a:t>
+              <a:t>2/21/24</a:t>
             </a:fld>
             <a:endParaRPr lang="en-US"/>
           </a:p>
@@ -1767,7 +1767,7 @@
           <a:p>
             <a:fld id="{DE7F49BE-398D-479A-8A7E-5DDBCA61EDCB}" type="datetime1">
               <a:rPr lang="en-US" smtClean="0"/>
-              <a:t>2/14/24</a:t>
+              <a:t>2/21/24</a:t>
             </a:fld>
             <a:endParaRPr lang="en-US"/>
           </a:p>
@@ -2043,7 +2043,7 @@
           <a:p>
             <a:fld id="{CCD0C193-4974-4A1F-9C63-07D595E30D66}" type="datetime1">
               <a:rPr lang="en-US" smtClean="0"/>
-              <a:t>2/14/24</a:t>
+              <a:t>2/21/24</a:t>
             </a:fld>
             <a:endParaRPr lang="en-US"/>
           </a:p>
@@ -2310,7 +2310,7 @@
           <a:p>
             <a:fld id="{701AA87F-28D4-4BF0-B81F-877A89DFD5AC}" type="datetime1">
               <a:rPr lang="en-US" smtClean="0"/>
-              <a:t>2/14/24</a:t>
+              <a:t>2/21/24</a:t>
             </a:fld>
             <a:endParaRPr lang="en-US"/>
           </a:p>
@@ -2724,7 +2724,7 @@
           <a:p>
             <a:fld id="{A8A9F1F3-208B-49A3-B337-9C8ACEB3E0E1}" type="datetime1">
               <a:rPr lang="en-US" smtClean="0"/>
-              <a:t>2/14/24</a:t>
+              <a:t>2/21/24</a:t>
             </a:fld>
             <a:endParaRPr lang="en-US"/>
           </a:p>
@@ -2871,7 +2871,7 @@
           <a:p>
             <a:fld id="{27AF6CA6-7293-4AA2-A0E0-A3BF4416E786}" type="datetime1">
               <a:rPr lang="en-US" smtClean="0"/>
-              <a:t>2/14/24</a:t>
+              <a:t>2/21/24</a:t>
             </a:fld>
             <a:endParaRPr lang="en-US"/>
           </a:p>
@@ -2984,7 +2984,7 @@
           <a:p>
             <a:fld id="{98D87016-7BCD-46FB-8EE3-AB6C369108B4}" type="datetime1">
               <a:rPr lang="en-US" smtClean="0"/>
-              <a:t>2/14/24</a:t>
+              <a:t>2/21/24</a:t>
             </a:fld>
             <a:endParaRPr lang="en-US"/>
           </a:p>
@@ -3303,7 +3303,7 @@
           <a:p>
             <a:fld id="{A1547011-1FFC-4EF8-9A2E-53B4AD2ADBD4}" type="datetime1">
               <a:rPr lang="en-US" smtClean="0"/>
-              <a:t>2/14/24</a:t>
+              <a:t>2/21/24</a:t>
             </a:fld>
             <a:endParaRPr lang="en-US"/>
           </a:p>
@@ -3598,7 +3598,7 @@
           <a:p>
             <a:fld id="{9562EB47-45B4-4EF5-A743-B4885DD2F060}" type="datetime1">
               <a:rPr lang="en-US" smtClean="0"/>
-              <a:t>2/14/24</a:t>
+              <a:t>2/21/24</a:t>
             </a:fld>
             <a:endParaRPr lang="en-US"/>
           </a:p>
@@ -4983,7 +4983,7 @@
           <a:p>
             <a:fld id="{4A8D24A4-5FEC-4062-8995-EB21925B3B40}" type="datetime1">
               <a:rPr lang="en-US" smtClean="0"/>
-              <a:t>2/14/24</a:t>
+              <a:t>2/21/24</a:t>
             </a:fld>
             <a:endParaRPr lang="en-US" sz="1000" dirty="0"/>
           </a:p>
@@ -8242,8 +8242,8 @@
           </a:p>
         </p:txBody>
       </p:sp>
-      <mc:AlternateContent xmlns:mc="http://schemas.openxmlformats.org/markup-compatibility/2006">
-        <mc:Choice xmlns:a14="http://schemas.microsoft.com/office/drawing/2010/main" Requires="a14">
+      <mc:AlternateContent xmlns:mc="http://schemas.openxmlformats.org/markup-compatibility/2006" xmlns:a14="http://schemas.microsoft.com/office/drawing/2010/main">
+        <mc:Choice Requires="a14">
           <p:sp>
             <p:nvSpPr>
               <p:cNvPr id="4" name="正方形/長方形 3">
@@ -8545,7 +8545,7 @@
             </p:txBody>
           </p:sp>
         </mc:Choice>
-        <mc:Fallback>
+        <mc:Fallback xmlns="">
           <p:sp>
             <p:nvSpPr>
               <p:cNvPr id="4" name="正方形/長方形 3">
@@ -9179,7 +9179,7 @@
         <p:cNvPr id="1" name="">
           <a:extLst>
             <a:ext uri="{FF2B5EF4-FFF2-40B4-BE49-F238E27FC236}">
-              <a16:creationId xmlns:a16="http://schemas.microsoft.com/office/drawing/2014/main" id="{D559D318-FA8B-1F5A-1B98-22EA5C1E9C4B}"/>
+              <a16:creationId xmlns:a16="http://schemas.microsoft.com/office/drawing/2014/main" id="{71601826-6D33-B82F-9505-1A6E73ED9200}"/>
             </a:ext>
           </a:extLst>
         </p:cNvPr>
@@ -9199,7 +9199,7 @@
           <p:cNvPr id="2" name="タイトル 1">
             <a:extLst>
               <a:ext uri="{FF2B5EF4-FFF2-40B4-BE49-F238E27FC236}">
-                <a16:creationId xmlns:a16="http://schemas.microsoft.com/office/drawing/2014/main" id="{BD28AFE9-2A0B-1954-282E-AD8542B6E92C}"/>
+                <a16:creationId xmlns:a16="http://schemas.microsoft.com/office/drawing/2014/main" id="{68FEE92C-08C4-9F61-7A28-FD02D4835898}"/>
               </a:ext>
             </a:extLst>
           </p:cNvPr>
@@ -9234,7 +9234,7 @@
           <p:cNvPr id="3" name="コンテンツ プレースホルダー 2">
             <a:extLst>
               <a:ext uri="{FF2B5EF4-FFF2-40B4-BE49-F238E27FC236}">
-                <a16:creationId xmlns:a16="http://schemas.microsoft.com/office/drawing/2014/main" id="{13DF2CCD-3756-1A18-E5F9-44DAB4D8E9A4}"/>
+                <a16:creationId xmlns:a16="http://schemas.microsoft.com/office/drawing/2014/main" id="{4A29F6BE-DBBD-1E68-D84E-90AF1C70B3A2}"/>
               </a:ext>
             </a:extLst>
           </p:cNvPr>
@@ -9245,7 +9245,12 @@
             <p:ph idx="1"/>
           </p:nvPr>
         </p:nvSpPr>
-        <p:spPr/>
+        <p:spPr>
+          <a:xfrm>
+            <a:off x="777239" y="1825625"/>
+            <a:ext cx="10659109" cy="4351338"/>
+          </a:xfrm>
+        </p:spPr>
         <p:txBody>
           <a:bodyPr/>
           <a:lstStyle/>
@@ -9275,7 +9280,7 @@
                 <a:latin typeface="Calibri" panose="020F0502020204030204" pitchFamily="34" charset="0"/>
                 <a:cs typeface="Calibri" panose="020F0502020204030204" pitchFamily="34" charset="0"/>
               </a:rPr>
-              <a:t>Explaining the crashes count per 2 hours from month, day of the week, time-frame, severity, community area</a:t>
+              <a:t>Explaining the distribution of the crashes count per 2 hours from month, day of the week, time-frame, severity, community area</a:t>
             </a:r>
           </a:p>
           <a:p>
@@ -9320,7 +9325,7 @@
     </p:spTree>
     <p:extLst>
       <p:ext uri="{BB962C8B-B14F-4D97-AF65-F5344CB8AC3E}">
-        <p14:creationId xmlns:p14="http://schemas.microsoft.com/office/powerpoint/2010/main" val="3155034372"/>
+        <p14:creationId xmlns:p14="http://schemas.microsoft.com/office/powerpoint/2010/main" val="3900829479"/>
       </p:ext>
     </p:extLst>
   </p:cSld>

--- a/Midterm_Presentation.pptx
+++ b/Midterm_Presentation.pptx
@@ -9150,7 +9150,7 @@
         </p:blipFill>
         <p:spPr>
           <a:xfrm>
-            <a:off x="7474486" y="2148113"/>
+            <a:off x="7412702" y="2296394"/>
             <a:ext cx="4341956" cy="2905125"/>
           </a:xfrm>
           <a:prstGeom prst="rect">
@@ -9322,6 +9322,36 @@
           </a:p>
         </p:txBody>
       </p:sp>
+      <p:pic>
+        <p:nvPicPr>
+          <p:cNvPr id="7" name="図 6">
+            <a:extLst>
+              <a:ext uri="{FF2B5EF4-FFF2-40B4-BE49-F238E27FC236}">
+                <a16:creationId xmlns:a16="http://schemas.microsoft.com/office/drawing/2014/main" id="{3E4DB593-9957-486E-D25B-F70507D2DC18}"/>
+              </a:ext>
+            </a:extLst>
+          </p:cNvPr>
+          <p:cNvPicPr>
+            <a:picLocks noChangeAspect="1"/>
+          </p:cNvPicPr>
+          <p:nvPr/>
+        </p:nvPicPr>
+        <p:blipFill>
+          <a:blip r:embed="rId2"/>
+          <a:stretch>
+            <a:fillRect/>
+          </a:stretch>
+        </p:blipFill>
+        <p:spPr>
+          <a:xfrm>
+            <a:off x="4024086" y="4632427"/>
+            <a:ext cx="7772400" cy="1991077"/>
+          </a:xfrm>
+          <a:prstGeom prst="rect">
+            <a:avLst/>
+          </a:prstGeom>
+        </p:spPr>
+      </p:pic>
     </p:spTree>
     <p:extLst>
       <p:ext uri="{BB962C8B-B14F-4D97-AF65-F5344CB8AC3E}">

--- a/Midterm_Presentation.pptx
+++ b/Midterm_Presentation.pptx
@@ -7907,6 +7907,63 @@
           </a:prstGeom>
         </p:spPr>
       </p:pic>
+      <p:sp>
+        <p:nvSpPr>
+          <p:cNvPr id="5" name="テキスト ボックス 4">
+            <a:extLst>
+              <a:ext uri="{FF2B5EF4-FFF2-40B4-BE49-F238E27FC236}">
+                <a16:creationId xmlns:a16="http://schemas.microsoft.com/office/drawing/2014/main" id="{84BDD81A-39F8-7D61-11FA-1F0D909A491F}"/>
+              </a:ext>
+            </a:extLst>
+          </p:cNvPr>
+          <p:cNvSpPr txBox="1"/>
+          <p:nvPr/>
+        </p:nvSpPr>
+        <p:spPr>
+          <a:xfrm>
+            <a:off x="9048960" y="3451860"/>
+            <a:ext cx="3143040" cy="369332"/>
+          </a:xfrm>
+          <a:prstGeom prst="rect">
+            <a:avLst/>
+          </a:prstGeom>
+          <a:noFill/>
+        </p:spPr>
+        <p:txBody>
+          <a:bodyPr wrap="none" rtlCol="0">
+            <a:spAutoFit/>
+          </a:bodyPr>
+          <a:lstStyle/>
+          <a:p>
+            <a:r>
+              <a:rPr kumimoji="1" lang="en-US" altLang="ja-JP" dirty="0">
+                <a:latin typeface="Calibri" panose="020F0502020204030204" pitchFamily="34" charset="0"/>
+                <a:cs typeface="Calibri" panose="020F0502020204030204" pitchFamily="34" charset="0"/>
+              </a:rPr>
+              <a:t>Chicago Data Portal Website [</a:t>
+            </a:r>
+            <a:r>
+              <a:rPr kumimoji="1" lang="en-US" altLang="ja-JP" dirty="0">
+                <a:latin typeface="Calibri" panose="020F0502020204030204" pitchFamily="34" charset="0"/>
+                <a:cs typeface="Calibri" panose="020F0502020204030204" pitchFamily="34" charset="0"/>
+                <a:hlinkClick r:id="rId2" action="ppaction://hlinksldjump"/>
+              </a:rPr>
+              <a:t>7</a:t>
+            </a:r>
+            <a:r>
+              <a:rPr kumimoji="1" lang="en-US" altLang="ja-JP" dirty="0">
+                <a:latin typeface="Calibri" panose="020F0502020204030204" pitchFamily="34" charset="0"/>
+                <a:cs typeface="Calibri" panose="020F0502020204030204" pitchFamily="34" charset="0"/>
+              </a:rPr>
+              <a:t>]</a:t>
+            </a:r>
+            <a:endParaRPr kumimoji="1" lang="ja-JP" altLang="en-US">
+              <a:latin typeface="Calibri" panose="020F0502020204030204" pitchFamily="34" charset="0"/>
+              <a:cs typeface="Calibri" panose="020F0502020204030204" pitchFamily="34" charset="0"/>
+            </a:endParaRPr>
+          </a:p>
+        </p:txBody>
+      </p:sp>
     </p:spTree>
     <p:extLst>
       <p:ext uri="{BB962C8B-B14F-4D97-AF65-F5344CB8AC3E}">
@@ -9352,6 +9409,62 @@
           </a:prstGeom>
         </p:spPr>
       </p:pic>
+      <p:sp>
+        <p:nvSpPr>
+          <p:cNvPr id="8" name="テキスト ボックス 7">
+            <a:extLst>
+              <a:ext uri="{FF2B5EF4-FFF2-40B4-BE49-F238E27FC236}">
+                <a16:creationId xmlns:a16="http://schemas.microsoft.com/office/drawing/2014/main" id="{D7A46E78-1D43-2F26-9A9D-6D93CB5B01EB}"/>
+              </a:ext>
+            </a:extLst>
+          </p:cNvPr>
+          <p:cNvSpPr txBox="1"/>
+          <p:nvPr/>
+        </p:nvSpPr>
+        <p:spPr>
+          <a:xfrm>
+            <a:off x="4334531" y="4260040"/>
+            <a:ext cx="7209218" cy="369332"/>
+          </a:xfrm>
+          <a:prstGeom prst="rect">
+            <a:avLst/>
+          </a:prstGeom>
+          <a:noFill/>
+        </p:spPr>
+        <p:txBody>
+          <a:bodyPr wrap="none" rtlCol="0">
+            <a:spAutoFit/>
+          </a:bodyPr>
+          <a:lstStyle/>
+          <a:p>
+            <a:r>
+              <a:rPr kumimoji="1" lang="en" altLang="ja-JP" dirty="0">
+                <a:solidFill>
+                  <a:srgbClr val="0D0D0D"/>
+                </a:solidFill>
+                <a:latin typeface="Calibri" panose="020F0502020204030204" pitchFamily="34" charset="0"/>
+                <a:cs typeface="Calibri" panose="020F0502020204030204" pitchFamily="34" charset="0"/>
+              </a:rPr>
+              <a:t>Distribution</a:t>
+            </a:r>
+            <a:r>
+              <a:rPr lang="en" altLang="ja-JP" b="0" i="0" dirty="0">
+                <a:solidFill>
+                  <a:srgbClr val="0D0D0D"/>
+                </a:solidFill>
+                <a:effectLst/>
+                <a:latin typeface="Calibri" panose="020F0502020204030204" pitchFamily="34" charset="0"/>
+                <a:cs typeface="Calibri" panose="020F0502020204030204" pitchFamily="34" charset="0"/>
+              </a:rPr>
+              <a:t> of traffic accident occurrences for each severity level in Austin</a:t>
+            </a:r>
+            <a:endParaRPr kumimoji="1" lang="ja-JP" altLang="en-US">
+              <a:latin typeface="Calibri" panose="020F0502020204030204" pitchFamily="34" charset="0"/>
+              <a:cs typeface="Calibri" panose="020F0502020204030204" pitchFamily="34" charset="0"/>
+            </a:endParaRPr>
+          </a:p>
+        </p:txBody>
+      </p:sp>
     </p:spTree>
     <p:extLst>
       <p:ext uri="{BB962C8B-B14F-4D97-AF65-F5344CB8AC3E}">

--- a/Midterm_Presentation.pptx
+++ b/Midterm_Presentation.pptx
@@ -9,13 +9,14 @@
     <p:sldId id="296" r:id="rId3"/>
     <p:sldId id="294" r:id="rId4"/>
     <p:sldId id="298" r:id="rId5"/>
-    <p:sldId id="304" r:id="rId6"/>
-    <p:sldId id="303" r:id="rId7"/>
-    <p:sldId id="300" r:id="rId8"/>
-    <p:sldId id="301" r:id="rId9"/>
-    <p:sldId id="306" r:id="rId10"/>
-    <p:sldId id="297" r:id="rId11"/>
-    <p:sldId id="291" r:id="rId12"/>
+    <p:sldId id="307" r:id="rId6"/>
+    <p:sldId id="304" r:id="rId7"/>
+    <p:sldId id="303" r:id="rId8"/>
+    <p:sldId id="300" r:id="rId9"/>
+    <p:sldId id="301" r:id="rId10"/>
+    <p:sldId id="306" r:id="rId11"/>
+    <p:sldId id="297" r:id="rId12"/>
+    <p:sldId id="291" r:id="rId13"/>
   </p:sldIdLst>
   <p:sldSz cx="12192000" cy="6858000"/>
   <p:notesSz cx="6858000" cy="9144000"/>
@@ -6442,6 +6443,256 @@
         <p:cNvPr id="1" name="">
           <a:extLst>
             <a:ext uri="{FF2B5EF4-FFF2-40B4-BE49-F238E27FC236}">
+              <a16:creationId xmlns:a16="http://schemas.microsoft.com/office/drawing/2014/main" id="{71601826-6D33-B82F-9505-1A6E73ED9200}"/>
+            </a:ext>
+          </a:extLst>
+        </p:cNvPr>
+        <p:cNvGrpSpPr/>
+        <p:nvPr/>
+      </p:nvGrpSpPr>
+      <p:grpSpPr>
+        <a:xfrm>
+          <a:off x="0" y="0"/>
+          <a:ext cx="0" cy="0"/>
+          <a:chOff x="0" y="0"/>
+          <a:chExt cx="0" cy="0"/>
+        </a:xfrm>
+      </p:grpSpPr>
+      <p:sp>
+        <p:nvSpPr>
+          <p:cNvPr id="2" name="タイトル 1">
+            <a:extLst>
+              <a:ext uri="{FF2B5EF4-FFF2-40B4-BE49-F238E27FC236}">
+                <a16:creationId xmlns:a16="http://schemas.microsoft.com/office/drawing/2014/main" id="{68FEE92C-08C4-9F61-7A28-FD02D4835898}"/>
+              </a:ext>
+            </a:extLst>
+          </p:cNvPr>
+          <p:cNvSpPr>
+            <a:spLocks noGrp="1"/>
+          </p:cNvSpPr>
+          <p:nvPr>
+            <p:ph type="title"/>
+          </p:nvPr>
+        </p:nvSpPr>
+        <p:spPr/>
+        <p:txBody>
+          <a:bodyPr/>
+          <a:lstStyle/>
+          <a:p>
+            <a:r>
+              <a:rPr kumimoji="1" lang="en-US" altLang="ja-JP" b="1" dirty="0">
+                <a:latin typeface="Calibri" panose="020F0502020204030204" pitchFamily="34" charset="0"/>
+                <a:cs typeface="Calibri" panose="020F0502020204030204" pitchFamily="34" charset="0"/>
+              </a:rPr>
+              <a:t>Methodology – Data Modeling (2)</a:t>
+            </a:r>
+            <a:endParaRPr kumimoji="1" lang="ja-JP" altLang="en-US" b="1">
+              <a:latin typeface="Calibri" panose="020F0502020204030204" pitchFamily="34" charset="0"/>
+              <a:cs typeface="Calibri" panose="020F0502020204030204" pitchFamily="34" charset="0"/>
+            </a:endParaRPr>
+          </a:p>
+        </p:txBody>
+      </p:sp>
+      <p:sp>
+        <p:nvSpPr>
+          <p:cNvPr id="3" name="コンテンツ プレースホルダー 2">
+            <a:extLst>
+              <a:ext uri="{FF2B5EF4-FFF2-40B4-BE49-F238E27FC236}">
+                <a16:creationId xmlns:a16="http://schemas.microsoft.com/office/drawing/2014/main" id="{4A29F6BE-DBBD-1E68-D84E-90AF1C70B3A2}"/>
+              </a:ext>
+            </a:extLst>
+          </p:cNvPr>
+          <p:cNvSpPr>
+            <a:spLocks noGrp="1"/>
+          </p:cNvSpPr>
+          <p:nvPr>
+            <p:ph idx="1"/>
+          </p:nvPr>
+        </p:nvSpPr>
+        <p:spPr>
+          <a:xfrm>
+            <a:off x="777239" y="1825625"/>
+            <a:ext cx="10659109" cy="4351338"/>
+          </a:xfrm>
+        </p:spPr>
+        <p:txBody>
+          <a:bodyPr/>
+          <a:lstStyle/>
+          <a:p>
+            <a:r>
+              <a:rPr kumimoji="1" lang="en-US" altLang="ja-JP" b="1" dirty="0">
+                <a:latin typeface="Calibri" panose="020F0502020204030204" pitchFamily="34" charset="0"/>
+                <a:cs typeface="Calibri" panose="020F0502020204030204" pitchFamily="34" charset="0"/>
+              </a:rPr>
+              <a:t>GLMs</a:t>
+            </a:r>
+          </a:p>
+          <a:p>
+            <a:pPr lvl="1"/>
+            <a:r>
+              <a:rPr kumimoji="1" lang="en-US" altLang="ja-JP" dirty="0">
+                <a:latin typeface="Calibri" panose="020F0502020204030204" pitchFamily="34" charset="0"/>
+                <a:cs typeface="Calibri" panose="020F0502020204030204" pitchFamily="34" charset="0"/>
+              </a:rPr>
+              <a:t>Building GLMs</a:t>
+            </a:r>
+          </a:p>
+          <a:p>
+            <a:pPr lvl="2"/>
+            <a:r>
+              <a:rPr kumimoji="1" lang="en-US" altLang="ja-JP" dirty="0">
+                <a:latin typeface="Calibri" panose="020F0502020204030204" pitchFamily="34" charset="0"/>
+                <a:cs typeface="Calibri" panose="020F0502020204030204" pitchFamily="34" charset="0"/>
+              </a:rPr>
+              <a:t>Explaining the distribution of the crashes count per 2 hours from month, day of the week, time-frame, severity, community area</a:t>
+            </a:r>
+          </a:p>
+          <a:p>
+            <a:pPr lvl="2"/>
+            <a:r>
+              <a:rPr kumimoji="1" lang="en-US" altLang="ja-JP" dirty="0">
+                <a:latin typeface="Calibri" panose="020F0502020204030204" pitchFamily="34" charset="0"/>
+                <a:cs typeface="Calibri" panose="020F0502020204030204" pitchFamily="34" charset="0"/>
+              </a:rPr>
+              <a:t>Assuming Poisson model, Negative Binomial model, or Zero-inflated model</a:t>
+            </a:r>
+          </a:p>
+          <a:p>
+            <a:pPr lvl="2"/>
+            <a:endParaRPr kumimoji="1" lang="en-US" altLang="ja-JP" dirty="0">
+              <a:latin typeface="Calibri" panose="020F0502020204030204" pitchFamily="34" charset="0"/>
+              <a:cs typeface="Calibri" panose="020F0502020204030204" pitchFamily="34" charset="0"/>
+            </a:endParaRPr>
+          </a:p>
+          <a:p>
+            <a:pPr lvl="1"/>
+            <a:r>
+              <a:rPr kumimoji="1" lang="en-US" altLang="ja-JP" dirty="0">
+                <a:latin typeface="Calibri" panose="020F0502020204030204" pitchFamily="34" charset="0"/>
+                <a:cs typeface="Calibri" panose="020F0502020204030204" pitchFamily="34" charset="0"/>
+              </a:rPr>
+              <a:t>Evaluating models</a:t>
+            </a:r>
+          </a:p>
+          <a:p>
+            <a:pPr lvl="2"/>
+            <a:r>
+              <a:rPr kumimoji="1" lang="en-US" altLang="ja-JP" dirty="0">
+                <a:latin typeface="Calibri" panose="020F0502020204030204" pitchFamily="34" charset="0"/>
+                <a:cs typeface="Calibri" panose="020F0502020204030204" pitchFamily="34" charset="0"/>
+              </a:rPr>
+              <a:t>AIC, BIC</a:t>
+            </a:r>
+          </a:p>
+        </p:txBody>
+      </p:sp>
+      <p:pic>
+        <p:nvPicPr>
+          <p:cNvPr id="7" name="図 6">
+            <a:extLst>
+              <a:ext uri="{FF2B5EF4-FFF2-40B4-BE49-F238E27FC236}">
+                <a16:creationId xmlns:a16="http://schemas.microsoft.com/office/drawing/2014/main" id="{3E4DB593-9957-486E-D25B-F70507D2DC18}"/>
+              </a:ext>
+            </a:extLst>
+          </p:cNvPr>
+          <p:cNvPicPr>
+            <a:picLocks noChangeAspect="1"/>
+          </p:cNvPicPr>
+          <p:nvPr/>
+        </p:nvPicPr>
+        <p:blipFill>
+          <a:blip r:embed="rId2"/>
+          <a:stretch>
+            <a:fillRect/>
+          </a:stretch>
+        </p:blipFill>
+        <p:spPr>
+          <a:xfrm>
+            <a:off x="4024086" y="4632427"/>
+            <a:ext cx="7772400" cy="1991077"/>
+          </a:xfrm>
+          <a:prstGeom prst="rect">
+            <a:avLst/>
+          </a:prstGeom>
+        </p:spPr>
+      </p:pic>
+      <p:sp>
+        <p:nvSpPr>
+          <p:cNvPr id="8" name="テキスト ボックス 7">
+            <a:extLst>
+              <a:ext uri="{FF2B5EF4-FFF2-40B4-BE49-F238E27FC236}">
+                <a16:creationId xmlns:a16="http://schemas.microsoft.com/office/drawing/2014/main" id="{D7A46E78-1D43-2F26-9A9D-6D93CB5B01EB}"/>
+              </a:ext>
+            </a:extLst>
+          </p:cNvPr>
+          <p:cNvSpPr txBox="1"/>
+          <p:nvPr/>
+        </p:nvSpPr>
+        <p:spPr>
+          <a:xfrm>
+            <a:off x="4334531" y="4260040"/>
+            <a:ext cx="7209218" cy="369332"/>
+          </a:xfrm>
+          <a:prstGeom prst="rect">
+            <a:avLst/>
+          </a:prstGeom>
+          <a:noFill/>
+        </p:spPr>
+        <p:txBody>
+          <a:bodyPr wrap="none" rtlCol="0">
+            <a:spAutoFit/>
+          </a:bodyPr>
+          <a:lstStyle/>
+          <a:p>
+            <a:r>
+              <a:rPr kumimoji="1" lang="en" altLang="ja-JP" dirty="0">
+                <a:solidFill>
+                  <a:srgbClr val="0D0D0D"/>
+                </a:solidFill>
+                <a:latin typeface="Calibri" panose="020F0502020204030204" pitchFamily="34" charset="0"/>
+                <a:cs typeface="Calibri" panose="020F0502020204030204" pitchFamily="34" charset="0"/>
+              </a:rPr>
+              <a:t>Distribution</a:t>
+            </a:r>
+            <a:r>
+              <a:rPr lang="en" altLang="ja-JP" b="0" i="0" dirty="0">
+                <a:solidFill>
+                  <a:srgbClr val="0D0D0D"/>
+                </a:solidFill>
+                <a:effectLst/>
+                <a:latin typeface="Calibri" panose="020F0502020204030204" pitchFamily="34" charset="0"/>
+                <a:cs typeface="Calibri" panose="020F0502020204030204" pitchFamily="34" charset="0"/>
+              </a:rPr>
+              <a:t> of traffic accident occurrences for each severity level in Austin</a:t>
+            </a:r>
+            <a:endParaRPr kumimoji="1" lang="ja-JP" altLang="en-US">
+              <a:latin typeface="Calibri" panose="020F0502020204030204" pitchFamily="34" charset="0"/>
+              <a:cs typeface="Calibri" panose="020F0502020204030204" pitchFamily="34" charset="0"/>
+            </a:endParaRPr>
+          </a:p>
+        </p:txBody>
+      </p:sp>
+    </p:spTree>
+    <p:extLst>
+      <p:ext uri="{BB962C8B-B14F-4D97-AF65-F5344CB8AC3E}">
+        <p14:creationId xmlns:p14="http://schemas.microsoft.com/office/powerpoint/2010/main" val="3900829479"/>
+      </p:ext>
+    </p:extLst>
+  </p:cSld>
+  <p:clrMapOvr>
+    <a:masterClrMapping/>
+  </p:clrMapOvr>
+</p:sld>
+</file>
+
+<file path=ppt/slides/slide11.xml><?xml version="1.0" encoding="utf-8"?>
+<p:sld xmlns:a="http://schemas.openxmlformats.org/drawingml/2006/main" xmlns:r="http://schemas.openxmlformats.org/officeDocument/2006/relationships" xmlns:p="http://schemas.openxmlformats.org/presentationml/2006/main">
+  <p:cSld>
+    <p:spTree>
+      <p:nvGrpSpPr>
+        <p:cNvPr id="1" name="">
+          <a:extLst>
+            <a:ext uri="{FF2B5EF4-FFF2-40B4-BE49-F238E27FC236}">
               <a16:creationId xmlns:a16="http://schemas.microsoft.com/office/drawing/2014/main" id="{C4BA93D2-AAAE-88FD-BFFA-DAFC274B251A}"/>
             </a:ext>
           </a:extLst>
@@ -6517,14 +6768,14 @@
               <a:buNone/>
             </a:pPr>
             <a:r>
-              <a:rPr kumimoji="1" lang="en-US" altLang="ja-JP" sz="1400" dirty="0">
+              <a:rPr kumimoji="1" lang="en-US" altLang="ja-JP" sz="1200" dirty="0">
                 <a:latin typeface="Calibri" panose="020F0502020204030204" pitchFamily="34" charset="0"/>
                 <a:cs typeface="Calibri" panose="020F0502020204030204" pitchFamily="34" charset="0"/>
               </a:rPr>
               <a:t>[1] WHO website (</a:t>
             </a:r>
             <a:r>
-              <a:rPr kumimoji="1" lang="en-US" altLang="ja-JP" sz="1400" dirty="0">
+              <a:rPr kumimoji="1" lang="en-US" altLang="ja-JP" sz="1200" dirty="0">
                 <a:latin typeface="Calibri" panose="020F0502020204030204" pitchFamily="34" charset="0"/>
                 <a:cs typeface="Calibri" panose="020F0502020204030204" pitchFamily="34" charset="0"/>
                 <a:hlinkClick r:id="rId2"/>
@@ -6532,7 +6783,7 @@
               <a:t>https://www.who.int/news-room/fact-sheets/detail/road-traffic-injuries</a:t>
             </a:r>
             <a:r>
-              <a:rPr kumimoji="1" lang="en-US" altLang="ja-JP" sz="1400" dirty="0">
+              <a:rPr kumimoji="1" lang="en-US" altLang="ja-JP" sz="1200" dirty="0">
                 <a:latin typeface="Calibri" panose="020F0502020204030204" pitchFamily="34" charset="0"/>
                 <a:cs typeface="Calibri" panose="020F0502020204030204" pitchFamily="34" charset="0"/>
               </a:rPr>
@@ -6544,14 +6795,14 @@
               <a:buNone/>
             </a:pPr>
             <a:r>
-              <a:rPr kumimoji="1" lang="en-US" altLang="ja-JP" sz="1400" dirty="0">
+              <a:rPr kumimoji="1" lang="en-US" altLang="ja-JP" sz="1200" dirty="0">
                 <a:latin typeface="Calibri" panose="020F0502020204030204" pitchFamily="34" charset="0"/>
                 <a:cs typeface="Calibri" panose="020F0502020204030204" pitchFamily="34" charset="0"/>
               </a:rPr>
               <a:t>[2] National Highway Traffic Safety Administration (NHTSA) report (</a:t>
             </a:r>
             <a:r>
-              <a:rPr kumimoji="1" lang="en-US" altLang="ja-JP" sz="1400" dirty="0">
+              <a:rPr kumimoji="1" lang="en-US" altLang="ja-JP" sz="1200" dirty="0">
                 <a:latin typeface="Calibri" panose="020F0502020204030204" pitchFamily="34" charset="0"/>
                 <a:cs typeface="Calibri" panose="020F0502020204030204" pitchFamily="34" charset="0"/>
                 <a:hlinkClick r:id="rId3"/>
@@ -6559,7 +6810,7 @@
               <a:t>https://crashstats.nhtsa.dot.gov/Api/Public/ViewPublication/813428</a:t>
             </a:r>
             <a:r>
-              <a:rPr kumimoji="1" lang="en-US" altLang="ja-JP" sz="1400" dirty="0">
+              <a:rPr kumimoji="1" lang="en-US" altLang="ja-JP" sz="1200" dirty="0">
                 <a:latin typeface="Calibri" panose="020F0502020204030204" pitchFamily="34" charset="0"/>
                 <a:cs typeface="Calibri" panose="020F0502020204030204" pitchFamily="34" charset="0"/>
               </a:rPr>
@@ -6571,14 +6822,14 @@
               <a:buNone/>
             </a:pPr>
             <a:r>
-              <a:rPr kumimoji="1" lang="en-US" altLang="ja-JP" sz="1400" dirty="0">
+              <a:rPr kumimoji="1" lang="en-US" altLang="ja-JP" sz="1200" dirty="0">
                 <a:latin typeface="Calibri" panose="020F0502020204030204" pitchFamily="34" charset="0"/>
                 <a:cs typeface="Calibri" panose="020F0502020204030204" pitchFamily="34" charset="0"/>
               </a:rPr>
               <a:t>[3] NHTSA website (</a:t>
             </a:r>
             <a:r>
-              <a:rPr kumimoji="1" lang="en-US" altLang="ja-JP" sz="1400" dirty="0">
+              <a:rPr kumimoji="1" lang="en-US" altLang="ja-JP" sz="1200" dirty="0">
                 <a:latin typeface="Calibri" panose="020F0502020204030204" pitchFamily="34" charset="0"/>
                 <a:cs typeface="Calibri" panose="020F0502020204030204" pitchFamily="34" charset="0"/>
                 <a:hlinkClick r:id="rId4"/>
@@ -6586,7 +6837,7 @@
               <a:t>https://www.nhtsa.gov/press-releases/traffic-crashes-cost-america-billions-2019</a:t>
             </a:r>
             <a:r>
-              <a:rPr kumimoji="1" lang="en-US" altLang="ja-JP" sz="1400" dirty="0">
+              <a:rPr kumimoji="1" lang="en-US" altLang="ja-JP" sz="1200" dirty="0">
                 <a:latin typeface="Calibri" panose="020F0502020204030204" pitchFamily="34" charset="0"/>
                 <a:cs typeface="Calibri" panose="020F0502020204030204" pitchFamily="34" charset="0"/>
               </a:rPr>
@@ -6598,14 +6849,14 @@
               <a:buNone/>
             </a:pPr>
             <a:r>
-              <a:rPr kumimoji="1" lang="en-US" altLang="ja-JP" sz="1400" dirty="0">
+              <a:rPr kumimoji="1" lang="en-US" altLang="ja-JP" sz="1200" dirty="0">
                 <a:latin typeface="Calibri" panose="020F0502020204030204" pitchFamily="34" charset="0"/>
                 <a:cs typeface="Calibri" panose="020F0502020204030204" pitchFamily="34" charset="0"/>
               </a:rPr>
               <a:t>[4] </a:t>
             </a:r>
             <a:r>
-              <a:rPr lang="en" altLang="ja-JP" sz="1400" b="0" i="0" dirty="0">
+              <a:rPr lang="en" altLang="ja-JP" sz="1200" b="0" i="0" dirty="0">
                 <a:solidFill>
                   <a:srgbClr val="222222"/>
                 </a:solidFill>
@@ -6616,7 +6867,7 @@
               <a:t>Bhuiyan, H., Ara, J., Hasib, K. M., Sourav, M. I. H., Karim, F. B., </a:t>
             </a:r>
             <a:r>
-              <a:rPr lang="en" altLang="ja-JP" sz="1400" b="0" i="0" dirty="0" err="1">
+              <a:rPr lang="en" altLang="ja-JP" sz="1200" b="0" i="0" dirty="0" err="1">
                 <a:solidFill>
                   <a:srgbClr val="222222"/>
                 </a:solidFill>
@@ -6627,7 +6878,7 @@
               <a:t>Sik-Lanyi</a:t>
             </a:r>
             <a:r>
-              <a:rPr lang="en" altLang="ja-JP" sz="1400" b="0" i="0" dirty="0">
+              <a:rPr lang="en" altLang="ja-JP" sz="1200" b="0" i="0" dirty="0">
                 <a:solidFill>
                   <a:srgbClr val="222222"/>
                 </a:solidFill>
@@ -6638,7 +6889,7 @@
               <a:t>, C., ... &amp; Yasmin, S. (2022). Crash severity analysis and risk factors identification based on an alternate data source: a case study of developing country. </a:t>
             </a:r>
             <a:r>
-              <a:rPr lang="en" altLang="ja-JP" sz="1400" b="0" i="1" dirty="0">
+              <a:rPr lang="en" altLang="ja-JP" sz="1200" b="0" i="1" dirty="0">
                 <a:solidFill>
                   <a:srgbClr val="222222"/>
                 </a:solidFill>
@@ -6649,7 +6900,7 @@
               <a:t>Scientific reports</a:t>
             </a:r>
             <a:r>
-              <a:rPr lang="en" altLang="ja-JP" sz="1400" b="0" i="0" dirty="0">
+              <a:rPr lang="en" altLang="ja-JP" sz="1200" b="0" i="0" dirty="0">
                 <a:solidFill>
                   <a:srgbClr val="222222"/>
                 </a:solidFill>
@@ -6660,7 +6911,7 @@
               <a:t>, </a:t>
             </a:r>
             <a:r>
-              <a:rPr lang="en" altLang="ja-JP" sz="1400" b="0" i="1" dirty="0">
+              <a:rPr lang="en" altLang="ja-JP" sz="1200" b="0" i="1" dirty="0">
                 <a:solidFill>
                   <a:srgbClr val="222222"/>
                 </a:solidFill>
@@ -6671,7 +6922,7 @@
               <a:t>12</a:t>
             </a:r>
             <a:r>
-              <a:rPr lang="en" altLang="ja-JP" sz="1400" b="0" i="0" dirty="0">
+              <a:rPr lang="en" altLang="ja-JP" sz="1200" b="0" i="0" dirty="0">
                 <a:solidFill>
                   <a:srgbClr val="222222"/>
                 </a:solidFill>
@@ -6681,7 +6932,7 @@
               </a:rPr>
               <a:t>(1), 21243.</a:t>
             </a:r>
-            <a:endParaRPr kumimoji="1" lang="en-US" altLang="ja-JP" sz="1400" dirty="0">
+            <a:endParaRPr kumimoji="1" lang="en-US" altLang="ja-JP" sz="1200" dirty="0">
               <a:latin typeface="Calibri" panose="020F0502020204030204" pitchFamily="34" charset="0"/>
               <a:cs typeface="Calibri" panose="020F0502020204030204" pitchFamily="34" charset="0"/>
             </a:endParaRPr>
@@ -6691,21 +6942,21 @@
               <a:buNone/>
             </a:pPr>
             <a:r>
-              <a:rPr kumimoji="1" lang="en-US" altLang="ja-JP" sz="1400" dirty="0">
+              <a:rPr kumimoji="1" lang="en-US" altLang="ja-JP" sz="1200" dirty="0">
                 <a:latin typeface="Calibri" panose="020F0502020204030204" pitchFamily="34" charset="0"/>
                 <a:cs typeface="Calibri" panose="020F0502020204030204" pitchFamily="34" charset="0"/>
               </a:rPr>
               <a:t>[5] </a:t>
             </a:r>
             <a:r>
-              <a:rPr kumimoji="1" lang="en-US" altLang="ja-JP" sz="1400" dirty="0" err="1">
+              <a:rPr kumimoji="1" lang="en-US" altLang="ja-JP" sz="1200" dirty="0" err="1">
                 <a:latin typeface="Calibri" panose="020F0502020204030204" pitchFamily="34" charset="0"/>
                 <a:cs typeface="Calibri" panose="020F0502020204030204" pitchFamily="34" charset="0"/>
               </a:rPr>
               <a:t>Ghandour</a:t>
             </a:r>
             <a:r>
-              <a:rPr kumimoji="1" lang="en-US" altLang="ja-JP" sz="1400" dirty="0">
+              <a:rPr kumimoji="1" lang="en-US" altLang="ja-JP" sz="1200" dirty="0">
                 <a:latin typeface="Calibri" panose="020F0502020204030204" pitchFamily="34" charset="0"/>
                 <a:cs typeface="Calibri" panose="020F0502020204030204" pitchFamily="34" charset="0"/>
               </a:rPr>
@@ -6717,35 +6968,35 @@
               <a:buNone/>
             </a:pPr>
             <a:r>
-              <a:rPr kumimoji="1" lang="en-US" altLang="ja-JP" sz="1400" dirty="0">
+              <a:rPr kumimoji="1" lang="en-US" altLang="ja-JP" sz="1200" dirty="0">
                 <a:latin typeface="Calibri" panose="020F0502020204030204" pitchFamily="34" charset="0"/>
                 <a:cs typeface="Calibri" panose="020F0502020204030204" pitchFamily="34" charset="0"/>
               </a:rPr>
               <a:t>[6] </a:t>
             </a:r>
             <a:r>
-              <a:rPr kumimoji="1" lang="en-US" altLang="ja-JP" sz="1400" dirty="0" err="1">
+              <a:rPr kumimoji="1" lang="en-US" altLang="ja-JP" sz="1200" dirty="0" err="1">
                 <a:latin typeface="Calibri" panose="020F0502020204030204" pitchFamily="34" charset="0"/>
                 <a:cs typeface="Calibri" panose="020F0502020204030204" pitchFamily="34" charset="0"/>
               </a:rPr>
               <a:t>Fiorentini</a:t>
             </a:r>
             <a:r>
-              <a:rPr kumimoji="1" lang="en-US" altLang="ja-JP" sz="1400" dirty="0">
+              <a:rPr kumimoji="1" lang="en-US" altLang="ja-JP" sz="1200" dirty="0">
                 <a:latin typeface="Calibri" panose="020F0502020204030204" pitchFamily="34" charset="0"/>
                 <a:cs typeface="Calibri" panose="020F0502020204030204" pitchFamily="34" charset="0"/>
               </a:rPr>
               <a:t>, N., &amp; </a:t>
             </a:r>
             <a:r>
-              <a:rPr kumimoji="1" lang="en-US" altLang="ja-JP" sz="1400" dirty="0" err="1">
+              <a:rPr kumimoji="1" lang="en-US" altLang="ja-JP" sz="1200" dirty="0" err="1">
                 <a:latin typeface="Calibri" panose="020F0502020204030204" pitchFamily="34" charset="0"/>
                 <a:cs typeface="Calibri" panose="020F0502020204030204" pitchFamily="34" charset="0"/>
               </a:rPr>
               <a:t>Losa</a:t>
             </a:r>
             <a:r>
-              <a:rPr kumimoji="1" lang="en-US" altLang="ja-JP" sz="1400" dirty="0">
+              <a:rPr kumimoji="1" lang="en-US" altLang="ja-JP" sz="1200" dirty="0">
                 <a:latin typeface="Calibri" panose="020F0502020204030204" pitchFamily="34" charset="0"/>
                 <a:cs typeface="Calibri" panose="020F0502020204030204" pitchFamily="34" charset="0"/>
               </a:rPr>
@@ -6757,14 +7008,200 @@
               <a:buNone/>
             </a:pPr>
             <a:r>
-              <a:rPr kumimoji="1" lang="en-US" altLang="ja-JP" sz="1400" dirty="0">
-                <a:latin typeface="Calibri" panose="020F0502020204030204" pitchFamily="34" charset="0"/>
-                <a:cs typeface="Calibri" panose="020F0502020204030204" pitchFamily="34" charset="0"/>
-              </a:rPr>
-              <a:t>[7] Chicago Data Portal (</a:t>
-            </a:r>
-            <a:r>
-              <a:rPr kumimoji="1" lang="en-US" altLang="ja-JP" sz="1400" dirty="0">
+              <a:rPr kumimoji="1" lang="en-US" altLang="ja-JP" sz="1200" dirty="0">
+                <a:latin typeface="Calibri" panose="020F0502020204030204" pitchFamily="34" charset="0"/>
+                <a:cs typeface="Calibri" panose="020F0502020204030204" pitchFamily="34" charset="0"/>
+              </a:rPr>
+              <a:t>[7] </a:t>
+            </a:r>
+            <a:r>
+              <a:rPr lang="en" altLang="ja-JP" sz="1200" b="0" i="0" dirty="0">
+                <a:solidFill>
+                  <a:srgbClr val="222222"/>
+                </a:solidFill>
+                <a:effectLst/>
+                <a:latin typeface="Calibri" panose="020F0502020204030204" pitchFamily="34" charset="0"/>
+                <a:cs typeface="Calibri" panose="020F0502020204030204" pitchFamily="34" charset="0"/>
+              </a:rPr>
+              <a:t>Lord, D., Washington, S. P., &amp; Ivan, J. N. (2005). Poisson, Poisson-gamma and zero-inflated regression models of motor vehicle crashes: balancing statistical fit and theory. </a:t>
+            </a:r>
+            <a:r>
+              <a:rPr lang="en" altLang="ja-JP" sz="1200" b="0" i="1" dirty="0">
+                <a:solidFill>
+                  <a:srgbClr val="222222"/>
+                </a:solidFill>
+                <a:effectLst/>
+                <a:latin typeface="Calibri" panose="020F0502020204030204" pitchFamily="34" charset="0"/>
+                <a:cs typeface="Calibri" panose="020F0502020204030204" pitchFamily="34" charset="0"/>
+              </a:rPr>
+              <a:t>Accident Analysis &amp; Prevention</a:t>
+            </a:r>
+            <a:r>
+              <a:rPr lang="en" altLang="ja-JP" sz="1200" b="0" i="0" dirty="0">
+                <a:solidFill>
+                  <a:srgbClr val="222222"/>
+                </a:solidFill>
+                <a:effectLst/>
+                <a:latin typeface="Calibri" panose="020F0502020204030204" pitchFamily="34" charset="0"/>
+                <a:cs typeface="Calibri" panose="020F0502020204030204" pitchFamily="34" charset="0"/>
+              </a:rPr>
+              <a:t>, </a:t>
+            </a:r>
+            <a:r>
+              <a:rPr lang="en" altLang="ja-JP" sz="1200" b="0" i="1" dirty="0">
+                <a:solidFill>
+                  <a:srgbClr val="222222"/>
+                </a:solidFill>
+                <a:effectLst/>
+                <a:latin typeface="Calibri" panose="020F0502020204030204" pitchFamily="34" charset="0"/>
+                <a:cs typeface="Calibri" panose="020F0502020204030204" pitchFamily="34" charset="0"/>
+              </a:rPr>
+              <a:t>37</a:t>
+            </a:r>
+            <a:r>
+              <a:rPr lang="en" altLang="ja-JP" sz="1200" b="0" i="0" dirty="0">
+                <a:solidFill>
+                  <a:srgbClr val="222222"/>
+                </a:solidFill>
+                <a:effectLst/>
+                <a:latin typeface="Calibri" panose="020F0502020204030204" pitchFamily="34" charset="0"/>
+                <a:cs typeface="Calibri" panose="020F0502020204030204" pitchFamily="34" charset="0"/>
+              </a:rPr>
+              <a:t>(1), 35-46.</a:t>
+            </a:r>
+            <a:endParaRPr kumimoji="1" lang="en-US" altLang="ja-JP" sz="1200" dirty="0">
+              <a:latin typeface="Calibri" panose="020F0502020204030204" pitchFamily="34" charset="0"/>
+              <a:cs typeface="Calibri" panose="020F0502020204030204" pitchFamily="34" charset="0"/>
+            </a:endParaRPr>
+          </a:p>
+          <a:p>
+            <a:pPr marL="273050" indent="-273050">
+              <a:buNone/>
+            </a:pPr>
+            <a:r>
+              <a:rPr kumimoji="1" lang="en-US" altLang="ja-JP" sz="1200" dirty="0">
+                <a:latin typeface="Calibri" panose="020F0502020204030204" pitchFamily="34" charset="0"/>
+                <a:cs typeface="Calibri" panose="020F0502020204030204" pitchFamily="34" charset="0"/>
+              </a:rPr>
+              <a:t>[8] </a:t>
+            </a:r>
+            <a:r>
+              <a:rPr lang="en" altLang="ja-JP" sz="1200" b="0" i="0" dirty="0">
+                <a:solidFill>
+                  <a:srgbClr val="222222"/>
+                </a:solidFill>
+                <a:effectLst/>
+                <a:latin typeface="Calibri" panose="020F0502020204030204" pitchFamily="34" charset="0"/>
+                <a:cs typeface="Calibri" panose="020F0502020204030204" pitchFamily="34" charset="0"/>
+              </a:rPr>
+              <a:t>Lord, D., </a:t>
+            </a:r>
+            <a:r>
+              <a:rPr lang="en" altLang="ja-JP" sz="1200" b="0" i="0" dirty="0" err="1">
+                <a:solidFill>
+                  <a:srgbClr val="222222"/>
+                </a:solidFill>
+                <a:effectLst/>
+                <a:latin typeface="Calibri" panose="020F0502020204030204" pitchFamily="34" charset="0"/>
+                <a:cs typeface="Calibri" panose="020F0502020204030204" pitchFamily="34" charset="0"/>
+              </a:rPr>
+              <a:t>Guikema</a:t>
+            </a:r>
+            <a:r>
+              <a:rPr lang="en" altLang="ja-JP" sz="1200" b="0" i="0" dirty="0">
+                <a:solidFill>
+                  <a:srgbClr val="222222"/>
+                </a:solidFill>
+                <a:effectLst/>
+                <a:latin typeface="Calibri" panose="020F0502020204030204" pitchFamily="34" charset="0"/>
+                <a:cs typeface="Calibri" panose="020F0502020204030204" pitchFamily="34" charset="0"/>
+              </a:rPr>
+              <a:t>, S. D., &amp; </a:t>
+            </a:r>
+            <a:r>
+              <a:rPr lang="en" altLang="ja-JP" sz="1200" b="0" i="0" dirty="0" err="1">
+                <a:solidFill>
+                  <a:srgbClr val="222222"/>
+                </a:solidFill>
+                <a:effectLst/>
+                <a:latin typeface="Calibri" panose="020F0502020204030204" pitchFamily="34" charset="0"/>
+                <a:cs typeface="Calibri" panose="020F0502020204030204" pitchFamily="34" charset="0"/>
+              </a:rPr>
+              <a:t>Geedipally</a:t>
+            </a:r>
+            <a:r>
+              <a:rPr lang="en" altLang="ja-JP" sz="1200" b="0" i="0" dirty="0">
+                <a:solidFill>
+                  <a:srgbClr val="222222"/>
+                </a:solidFill>
+                <a:effectLst/>
+                <a:latin typeface="Calibri" panose="020F0502020204030204" pitchFamily="34" charset="0"/>
+                <a:cs typeface="Calibri" panose="020F0502020204030204" pitchFamily="34" charset="0"/>
+              </a:rPr>
+              <a:t>, S. R. (2008). Application of the Conway–Maxwell–Poisson generalized linear model for analyzing motor vehicle crashes. </a:t>
+            </a:r>
+            <a:r>
+              <a:rPr lang="en" altLang="ja-JP" sz="1200" b="0" i="1" dirty="0">
+                <a:solidFill>
+                  <a:srgbClr val="222222"/>
+                </a:solidFill>
+                <a:effectLst/>
+                <a:latin typeface="Calibri" panose="020F0502020204030204" pitchFamily="34" charset="0"/>
+                <a:cs typeface="Calibri" panose="020F0502020204030204" pitchFamily="34" charset="0"/>
+              </a:rPr>
+              <a:t>Accident Analysis &amp; Prevention</a:t>
+            </a:r>
+            <a:r>
+              <a:rPr lang="en" altLang="ja-JP" sz="1200" b="0" i="0" dirty="0">
+                <a:solidFill>
+                  <a:srgbClr val="222222"/>
+                </a:solidFill>
+                <a:effectLst/>
+                <a:latin typeface="Calibri" panose="020F0502020204030204" pitchFamily="34" charset="0"/>
+                <a:cs typeface="Calibri" panose="020F0502020204030204" pitchFamily="34" charset="0"/>
+              </a:rPr>
+              <a:t>, </a:t>
+            </a:r>
+            <a:r>
+              <a:rPr lang="en" altLang="ja-JP" sz="1200" b="0" i="1" dirty="0">
+                <a:solidFill>
+                  <a:srgbClr val="222222"/>
+                </a:solidFill>
+                <a:effectLst/>
+                <a:latin typeface="Calibri" panose="020F0502020204030204" pitchFamily="34" charset="0"/>
+                <a:cs typeface="Calibri" panose="020F0502020204030204" pitchFamily="34" charset="0"/>
+              </a:rPr>
+              <a:t>40</a:t>
+            </a:r>
+            <a:r>
+              <a:rPr lang="en" altLang="ja-JP" sz="1200" b="0" i="0" dirty="0">
+                <a:solidFill>
+                  <a:srgbClr val="222222"/>
+                </a:solidFill>
+                <a:effectLst/>
+                <a:latin typeface="Calibri" panose="020F0502020204030204" pitchFamily="34" charset="0"/>
+                <a:cs typeface="Calibri" panose="020F0502020204030204" pitchFamily="34" charset="0"/>
+              </a:rPr>
+              <a:t>(3), 1123-1134.</a:t>
+            </a:r>
+            <a:endParaRPr kumimoji="1" lang="en-US" altLang="ja-JP" sz="1200" dirty="0">
+              <a:latin typeface="Calibri" panose="020F0502020204030204" pitchFamily="34" charset="0"/>
+              <a:cs typeface="Calibri" panose="020F0502020204030204" pitchFamily="34" charset="0"/>
+            </a:endParaRPr>
+          </a:p>
+          <a:p>
+            <a:pPr marL="273050" indent="-273050">
+              <a:buNone/>
+            </a:pPr>
+            <a:r>
+              <a:rPr kumimoji="1" lang="en-US" altLang="ja-JP" sz="1200" dirty="0">
+                <a:latin typeface="Calibri" panose="020F0502020204030204" pitchFamily="34" charset="0"/>
+                <a:cs typeface="Calibri" panose="020F0502020204030204" pitchFamily="34" charset="0"/>
+              </a:rPr>
+              <a:t>[9] Chicago Data Portal (</a:t>
+            </a:r>
+            <a:r>
+              <a:rPr kumimoji="1" lang="en-US" altLang="ja-JP" sz="1200" dirty="0">
                 <a:latin typeface="Calibri" panose="020F0502020204030204" pitchFamily="34" charset="0"/>
                 <a:cs typeface="Calibri" panose="020F0502020204030204" pitchFamily="34" charset="0"/>
                 <a:hlinkClick r:id="rId5"/>
@@ -6772,13 +7209,13 @@
               <a:t>https://data.cityofchicago.org/Transportation/Traffic-Crashes-Crashes/85ca-t3if/about_data</a:t>
             </a:r>
             <a:r>
-              <a:rPr kumimoji="1" lang="en-US" altLang="ja-JP" sz="1400" dirty="0">
+              <a:rPr kumimoji="1" lang="en-US" altLang="ja-JP" sz="1200" dirty="0">
                 <a:latin typeface="Calibri" panose="020F0502020204030204" pitchFamily="34" charset="0"/>
                 <a:cs typeface="Calibri" panose="020F0502020204030204" pitchFamily="34" charset="0"/>
               </a:rPr>
               <a:t>)</a:t>
             </a:r>
-            <a:endParaRPr kumimoji="1" lang="ja-JP" altLang="en-US" sz="1400">
+            <a:endParaRPr kumimoji="1" lang="ja-JP" altLang="en-US" sz="1200">
               <a:latin typeface="Calibri" panose="020F0502020204030204" pitchFamily="34" charset="0"/>
               <a:cs typeface="Calibri" panose="020F0502020204030204" pitchFamily="34" charset="0"/>
             </a:endParaRPr>
@@ -6798,7 +7235,7 @@
 </p:sld>
 </file>
 
-<file path=ppt/slides/slide11.xml><?xml version="1.0" encoding="utf-8"?>
+<file path=ppt/slides/slide12.xml><?xml version="1.0" encoding="utf-8"?>
 <p:sld xmlns:a="http://schemas.openxmlformats.org/drawingml/2006/main" xmlns:r="http://schemas.openxmlformats.org/officeDocument/2006/relationships" xmlns:p="http://schemas.openxmlformats.org/presentationml/2006/main">
   <p:cSld>
     <p:spTree>
@@ -7276,7 +7713,12 @@
             <p:ph idx="1"/>
           </p:nvPr>
         </p:nvSpPr>
-        <p:spPr/>
+        <p:spPr>
+          <a:xfrm>
+            <a:off x="777240" y="1825625"/>
+            <a:ext cx="10659110" cy="4847024"/>
+          </a:xfrm>
+        </p:spPr>
         <p:txBody>
           <a:bodyPr/>
           <a:lstStyle/>
@@ -7361,7 +7803,10 @@
             </a:r>
           </a:p>
           <a:p>
-            <a:pPr lvl="1"/>
+            <a:pPr marL="800100" lvl="1" indent="-342900">
+              <a:buFont typeface="+mj-lt"/>
+              <a:buAutoNum type="arabicPeriod"/>
+            </a:pPr>
             <a:r>
               <a:rPr kumimoji="1" lang="en-US" altLang="ja-JP" dirty="0">
                 <a:latin typeface="Calibri" panose="020F0502020204030204" pitchFamily="34" charset="0"/>
@@ -7385,12 +7830,32 @@
             </a:r>
           </a:p>
           <a:p>
-            <a:pPr lvl="1"/>
+            <a:pPr lvl="2"/>
             <a:r>
               <a:rPr kumimoji="1" lang="en-US" altLang="ja-JP" dirty="0">
                 <a:latin typeface="Calibri" panose="020F0502020204030204" pitchFamily="34" charset="0"/>
                 <a:cs typeface="Calibri" panose="020F0502020204030204" pitchFamily="34" charset="0"/>
               </a:rPr>
+              <a:t>Creating and interpreting </a:t>
+            </a:r>
+            <a:r>
+              <a:rPr kumimoji="1" lang="en-US" altLang="ja-JP" b="1" dirty="0">
+                <a:latin typeface="Calibri" panose="020F0502020204030204" pitchFamily="34" charset="0"/>
+                <a:cs typeface="Calibri" panose="020F0502020204030204" pitchFamily="34" charset="0"/>
+              </a:rPr>
+              <a:t>ML models</a:t>
+            </a:r>
+          </a:p>
+          <a:p>
+            <a:pPr marL="800100" lvl="1" indent="-342900">
+              <a:buFont typeface="+mj-lt"/>
+              <a:buAutoNum type="arabicPeriod"/>
+            </a:pPr>
+            <a:r>
+              <a:rPr kumimoji="1" lang="en-US" altLang="ja-JP" dirty="0">
+                <a:latin typeface="Calibri" panose="020F0502020204030204" pitchFamily="34" charset="0"/>
+                <a:cs typeface="Calibri" panose="020F0502020204030204" pitchFamily="34" charset="0"/>
+              </a:rPr>
               <a:t>Creating a </a:t>
             </a:r>
             <a:r>
@@ -7406,6 +7871,23 @@
                 <a:cs typeface="Calibri" panose="020F0502020204030204" pitchFamily="34" charset="0"/>
               </a:rPr>
               <a:t>showing the expected traffic crash counts in each community area in Chicago</a:t>
+            </a:r>
+          </a:p>
+          <a:p>
+            <a:pPr lvl="2"/>
+            <a:r>
+              <a:rPr kumimoji="1" lang="en-US" altLang="ja-JP" dirty="0">
+                <a:latin typeface="Calibri" panose="020F0502020204030204" pitchFamily="34" charset="0"/>
+                <a:cs typeface="Calibri" panose="020F0502020204030204" pitchFamily="34" charset="0"/>
+              </a:rPr>
+              <a:t>Creating </a:t>
+            </a:r>
+            <a:r>
+              <a:rPr kumimoji="1" lang="en-US" altLang="ja-JP" b="1" dirty="0">
+                <a:latin typeface="Calibri" panose="020F0502020204030204" pitchFamily="34" charset="0"/>
+                <a:cs typeface="Calibri" panose="020F0502020204030204" pitchFamily="34" charset="0"/>
+              </a:rPr>
+              <a:t>Generalized Linear Model (GLM)</a:t>
             </a:r>
           </a:p>
         </p:txBody>
@@ -7472,7 +7954,7 @@
                 <a:latin typeface="Calibri" panose="020F0502020204030204" pitchFamily="34" charset="0"/>
                 <a:cs typeface="Calibri" panose="020F0502020204030204" pitchFamily="34" charset="0"/>
               </a:rPr>
-              <a:t>Literature Review</a:t>
+              <a:t>Literature Review (1)</a:t>
             </a:r>
             <a:endParaRPr kumimoji="1" lang="ja-JP" altLang="en-US" b="1">
               <a:latin typeface="Calibri" panose="020F0502020204030204" pitchFamily="34" charset="0"/>
@@ -7742,6 +8224,799 @@
 </file>
 
 <file path=ppt/slides/slide5.xml><?xml version="1.0" encoding="utf-8"?>
+<p:sld xmlns:a="http://schemas.openxmlformats.org/drawingml/2006/main" xmlns:r="http://schemas.openxmlformats.org/officeDocument/2006/relationships" xmlns:p="http://schemas.openxmlformats.org/presentationml/2006/main">
+  <p:cSld>
+    <p:spTree>
+      <p:nvGrpSpPr>
+        <p:cNvPr id="1" name="">
+          <a:extLst>
+            <a:ext uri="{FF2B5EF4-FFF2-40B4-BE49-F238E27FC236}">
+              <a16:creationId xmlns:a16="http://schemas.microsoft.com/office/drawing/2014/main" id="{7DE6301A-5B91-95AE-3A03-FA38692EC62F}"/>
+            </a:ext>
+          </a:extLst>
+        </p:cNvPr>
+        <p:cNvGrpSpPr/>
+        <p:nvPr/>
+      </p:nvGrpSpPr>
+      <p:grpSpPr>
+        <a:xfrm>
+          <a:off x="0" y="0"/>
+          <a:ext cx="0" cy="0"/>
+          <a:chOff x="0" y="0"/>
+          <a:chExt cx="0" cy="0"/>
+        </a:xfrm>
+      </p:grpSpPr>
+      <p:sp>
+        <p:nvSpPr>
+          <p:cNvPr id="2" name="タイトル 1">
+            <a:extLst>
+              <a:ext uri="{FF2B5EF4-FFF2-40B4-BE49-F238E27FC236}">
+                <a16:creationId xmlns:a16="http://schemas.microsoft.com/office/drawing/2014/main" id="{00C79A4F-D57F-6ED7-DF0F-DEE78399444C}"/>
+              </a:ext>
+            </a:extLst>
+          </p:cNvPr>
+          <p:cNvSpPr>
+            <a:spLocks noGrp="1"/>
+          </p:cNvSpPr>
+          <p:nvPr>
+            <p:ph type="title"/>
+          </p:nvPr>
+        </p:nvSpPr>
+        <p:spPr/>
+        <p:txBody>
+          <a:bodyPr/>
+          <a:lstStyle/>
+          <a:p>
+            <a:r>
+              <a:rPr kumimoji="1" lang="en-US" altLang="ja-JP" b="1" dirty="0">
+                <a:latin typeface="Calibri" panose="020F0502020204030204" pitchFamily="34" charset="0"/>
+                <a:cs typeface="Calibri" panose="020F0502020204030204" pitchFamily="34" charset="0"/>
+              </a:rPr>
+              <a:t>Literature Review (2)</a:t>
+            </a:r>
+            <a:endParaRPr kumimoji="1" lang="ja-JP" altLang="en-US" b="1">
+              <a:latin typeface="Calibri" panose="020F0502020204030204" pitchFamily="34" charset="0"/>
+              <a:cs typeface="Calibri" panose="020F0502020204030204" pitchFamily="34" charset="0"/>
+            </a:endParaRPr>
+          </a:p>
+        </p:txBody>
+      </p:sp>
+      <mc:AlternateContent xmlns:mc="http://schemas.openxmlformats.org/markup-compatibility/2006">
+        <mc:Choice xmlns:a14="http://schemas.microsoft.com/office/drawing/2010/main" Requires="a14">
+          <p:sp>
+            <p:nvSpPr>
+              <p:cNvPr id="3" name="コンテンツ プレースホルダー 2">
+                <a:extLst>
+                  <a:ext uri="{FF2B5EF4-FFF2-40B4-BE49-F238E27FC236}">
+                    <a16:creationId xmlns:a16="http://schemas.microsoft.com/office/drawing/2014/main" id="{F4A95E02-3EFE-27F1-8FC8-86D2B153C830}"/>
+                  </a:ext>
+                </a:extLst>
+              </p:cNvPr>
+              <p:cNvSpPr>
+                <a:spLocks noGrp="1"/>
+              </p:cNvSpPr>
+              <p:nvPr>
+                <p:ph idx="1"/>
+              </p:nvPr>
+            </p:nvSpPr>
+            <p:spPr/>
+            <p:txBody>
+              <a:bodyPr/>
+              <a:lstStyle/>
+              <a:p>
+                <a:r>
+                  <a:rPr kumimoji="1" lang="en-US" altLang="ja-JP" b="1" dirty="0">
+                    <a:latin typeface="Calibri" panose="020F0502020204030204" pitchFamily="34" charset="0"/>
+                    <a:cs typeface="Calibri" panose="020F0502020204030204" pitchFamily="34" charset="0"/>
+                  </a:rPr>
+                  <a:t>Poisson</a:t>
+                </a:r>
+                <a:r>
+                  <a:rPr kumimoji="1" lang="en-US" altLang="ja-JP" dirty="0">
+                    <a:latin typeface="Calibri" panose="020F0502020204030204" pitchFamily="34" charset="0"/>
+                    <a:cs typeface="Calibri" panose="020F0502020204030204" pitchFamily="34" charset="0"/>
+                  </a:rPr>
+                  <a:t> and </a:t>
+                </a:r>
+                <a:r>
+                  <a:rPr kumimoji="1" lang="en-US" altLang="ja-JP" b="1" dirty="0">
+                    <a:latin typeface="Calibri" panose="020F0502020204030204" pitchFamily="34" charset="0"/>
+                    <a:cs typeface="Calibri" panose="020F0502020204030204" pitchFamily="34" charset="0"/>
+                  </a:rPr>
+                  <a:t>Negative Binomial (NB)</a:t>
+                </a:r>
+                <a:r>
+                  <a:rPr kumimoji="1" lang="en-US" altLang="ja-JP" dirty="0">
+                    <a:latin typeface="Calibri" panose="020F0502020204030204" pitchFamily="34" charset="0"/>
+                    <a:cs typeface="Calibri" panose="020F0502020204030204" pitchFamily="34" charset="0"/>
+                  </a:rPr>
+                  <a:t> model have commonly used for modeling traffic crash count data. [</a:t>
+                </a:r>
+                <a:r>
+                  <a:rPr kumimoji="1" lang="en-US" altLang="ja-JP" dirty="0">
+                    <a:latin typeface="Calibri" panose="020F0502020204030204" pitchFamily="34" charset="0"/>
+                    <a:cs typeface="Calibri" panose="020F0502020204030204" pitchFamily="34" charset="0"/>
+                    <a:hlinkClick r:id="rId2" action="ppaction://hlinksldjump"/>
+                  </a:rPr>
+                  <a:t>7</a:t>
+                </a:r>
+                <a:r>
+                  <a:rPr kumimoji="1" lang="en-US" altLang="ja-JP" dirty="0">
+                    <a:latin typeface="Calibri" panose="020F0502020204030204" pitchFamily="34" charset="0"/>
+                    <a:cs typeface="Calibri" panose="020F0502020204030204" pitchFamily="34" charset="0"/>
+                  </a:rPr>
+                  <a:t>]</a:t>
+                </a:r>
+              </a:p>
+              <a:p>
+                <a:pPr lvl="1"/>
+                <a:r>
+                  <a:rPr kumimoji="1" lang="en-US" altLang="ja-JP" dirty="0">
+                    <a:latin typeface="Calibri" panose="020F0502020204030204" pitchFamily="34" charset="0"/>
+                    <a:cs typeface="Calibri" panose="020F0502020204030204" pitchFamily="34" charset="0"/>
+                  </a:rPr>
+                  <a:t>Poisson model: </a:t>
+                </a:r>
+                <a14:m>
+                  <m:oMath xmlns:m="http://schemas.openxmlformats.org/officeDocument/2006/math">
+                    <m:r>
+                      <a:rPr kumimoji="1" lang="en-US" altLang="ja-JP" i="1" smtClean="0">
+                        <a:latin typeface="Cambria Math" panose="02040503050406030204" pitchFamily="18" charset="0"/>
+                        <a:ea typeface="Cambria Math" panose="02040503050406030204" pitchFamily="18" charset="0"/>
+                        <a:cs typeface="Calibri" panose="020F0502020204030204" pitchFamily="34" charset="0"/>
+                      </a:rPr>
+                      <m:t>𝜇</m:t>
+                    </m:r>
+                    <m:r>
+                      <a:rPr kumimoji="1" lang="en-US" altLang="ja-JP" b="0" i="1" smtClean="0">
+                        <a:latin typeface="Cambria Math" panose="02040503050406030204" pitchFamily="18" charset="0"/>
+                        <a:ea typeface="Cambria Math" panose="02040503050406030204" pitchFamily="18" charset="0"/>
+                        <a:cs typeface="Calibri" panose="020F0502020204030204" pitchFamily="34" charset="0"/>
+                      </a:rPr>
+                      <m:t>=</m:t>
+                    </m:r>
+                    <m:r>
+                      <a:rPr kumimoji="1" lang="en-US" altLang="ja-JP" b="0" i="1" smtClean="0">
+                        <a:latin typeface="Cambria Math" panose="02040503050406030204" pitchFamily="18" charset="0"/>
+                        <a:ea typeface="Cambria Math" panose="02040503050406030204" pitchFamily="18" charset="0"/>
+                        <a:cs typeface="Calibri" panose="020F0502020204030204" pitchFamily="34" charset="0"/>
+                      </a:rPr>
+                      <m:t>𝑣𝑎𝑟</m:t>
+                    </m:r>
+                  </m:oMath>
+                </a14:m>
+                <a:endParaRPr kumimoji="1" lang="en-US" altLang="ja-JP" dirty="0">
+                  <a:latin typeface="Calibri" panose="020F0502020204030204" pitchFamily="34" charset="0"/>
+                  <a:cs typeface="Calibri" panose="020F0502020204030204" pitchFamily="34" charset="0"/>
+                </a:endParaRPr>
+              </a:p>
+              <a:p>
+                <a:pPr lvl="1"/>
+                <a:r>
+                  <a:rPr kumimoji="1" lang="en-US" altLang="ja-JP" dirty="0">
+                    <a:latin typeface="Calibri" panose="020F0502020204030204" pitchFamily="34" charset="0"/>
+                    <a:cs typeface="Calibri" panose="020F0502020204030204" pitchFamily="34" charset="0"/>
+                  </a:rPr>
+                  <a:t>NB model: </a:t>
+                </a:r>
+                <a14:m>
+                  <m:oMath xmlns:m="http://schemas.openxmlformats.org/officeDocument/2006/math">
+                    <m:r>
+                      <a:rPr kumimoji="1" lang="en-US" altLang="ja-JP" i="1" smtClean="0">
+                        <a:latin typeface="Cambria Math" panose="02040503050406030204" pitchFamily="18" charset="0"/>
+                        <a:ea typeface="Cambria Math" panose="02040503050406030204" pitchFamily="18" charset="0"/>
+                        <a:cs typeface="Calibri" panose="020F0502020204030204" pitchFamily="34" charset="0"/>
+                      </a:rPr>
+                      <m:t>𝜇</m:t>
+                    </m:r>
+                    <m:r>
+                      <a:rPr kumimoji="1" lang="en-US" altLang="ja-JP" b="0" i="1" smtClean="0">
+                        <a:latin typeface="Cambria Math" panose="02040503050406030204" pitchFamily="18" charset="0"/>
+                        <a:ea typeface="Cambria Math" panose="02040503050406030204" pitchFamily="18" charset="0"/>
+                        <a:cs typeface="Calibri" panose="020F0502020204030204" pitchFamily="34" charset="0"/>
+                      </a:rPr>
+                      <m:t>&lt;</m:t>
+                    </m:r>
+                    <m:r>
+                      <a:rPr kumimoji="1" lang="en-US" altLang="ja-JP" b="0" i="1" smtClean="0">
+                        <a:latin typeface="Cambria Math" panose="02040503050406030204" pitchFamily="18" charset="0"/>
+                        <a:ea typeface="Cambria Math" panose="02040503050406030204" pitchFamily="18" charset="0"/>
+                        <a:cs typeface="Calibri" panose="020F0502020204030204" pitchFamily="34" charset="0"/>
+                      </a:rPr>
+                      <m:t>𝑣𝑎𝑟</m:t>
+                    </m:r>
+                  </m:oMath>
+                </a14:m>
+                <a:endParaRPr kumimoji="1" lang="en-US" altLang="ja-JP" dirty="0">
+                  <a:latin typeface="Calibri" panose="020F0502020204030204" pitchFamily="34" charset="0"/>
+                  <a:cs typeface="Calibri" panose="020F0502020204030204" pitchFamily="34" charset="0"/>
+                </a:endParaRPr>
+              </a:p>
+              <a:p>
+                <a:r>
+                  <a:rPr kumimoji="1" lang="en-US" altLang="ja-JP" dirty="0">
+                    <a:latin typeface="Calibri" panose="020F0502020204030204" pitchFamily="34" charset="0"/>
+                    <a:cs typeface="Calibri" panose="020F0502020204030204" pitchFamily="34" charset="0"/>
+                  </a:rPr>
+                  <a:t>Some crash frequency data show more 0 than expected from Poisson or Negative Binomial models. For these data, </a:t>
+                </a:r>
+                <a:r>
+                  <a:rPr kumimoji="1" lang="en-US" altLang="ja-JP" b="1" dirty="0">
+                    <a:latin typeface="Calibri" panose="020F0502020204030204" pitchFamily="34" charset="0"/>
+                    <a:cs typeface="Calibri" panose="020F0502020204030204" pitchFamily="34" charset="0"/>
+                  </a:rPr>
+                  <a:t>zero-inflated models</a:t>
+                </a:r>
+                <a:r>
+                  <a:rPr kumimoji="1" lang="en-US" altLang="ja-JP" dirty="0">
+                    <a:latin typeface="Calibri" panose="020F0502020204030204" pitchFamily="34" charset="0"/>
+                    <a:cs typeface="Calibri" panose="020F0502020204030204" pitchFamily="34" charset="0"/>
+                  </a:rPr>
+                  <a:t> (Poisson with added zeros) are used. [</a:t>
+                </a:r>
+                <a:r>
+                  <a:rPr kumimoji="1" lang="en-US" altLang="ja-JP" dirty="0">
+                    <a:latin typeface="Calibri" panose="020F0502020204030204" pitchFamily="34" charset="0"/>
+                    <a:cs typeface="Calibri" panose="020F0502020204030204" pitchFamily="34" charset="0"/>
+                    <a:hlinkClick r:id="rId2" action="ppaction://hlinksldjump"/>
+                  </a:rPr>
+                  <a:t>7</a:t>
+                </a:r>
+                <a:r>
+                  <a:rPr kumimoji="1" lang="en-US" altLang="ja-JP" dirty="0">
+                    <a:latin typeface="Calibri" panose="020F0502020204030204" pitchFamily="34" charset="0"/>
+                    <a:cs typeface="Calibri" panose="020F0502020204030204" pitchFamily="34" charset="0"/>
+                  </a:rPr>
+                  <a:t>]</a:t>
+                </a:r>
+              </a:p>
+              <a:p>
+                <a:pPr lvl="1"/>
+                <a:r>
+                  <a:rPr kumimoji="1" lang="en-US" altLang="ja-JP" dirty="0">
+                    <a:latin typeface="Calibri" panose="020F0502020204030204" pitchFamily="34" charset="0"/>
+                    <a:cs typeface="Calibri" panose="020F0502020204030204" pitchFamily="34" charset="0"/>
+                  </a:rPr>
+                  <a:t>Zero-inflated model: </a:t>
+                </a:r>
+                <a14:m>
+                  <m:oMath xmlns:m="http://schemas.openxmlformats.org/officeDocument/2006/math">
+                    <m:r>
+                      <a:rPr kumimoji="1" lang="en-US" altLang="ja-JP" b="0" i="1" smtClean="0">
+                        <a:latin typeface="Cambria Math" panose="02040503050406030204" pitchFamily="18" charset="0"/>
+                        <a:cs typeface="Calibri" panose="020F0502020204030204" pitchFamily="34" charset="0"/>
+                      </a:rPr>
+                      <m:t>𝑃</m:t>
+                    </m:r>
+                    <m:d>
+                      <m:dPr>
+                        <m:ctrlPr>
+                          <a:rPr kumimoji="1" lang="en-US" altLang="ja-JP" b="0" i="1" smtClean="0">
+                            <a:latin typeface="Cambria Math" panose="02040503050406030204" pitchFamily="18" charset="0"/>
+                            <a:cs typeface="Calibri" panose="020F0502020204030204" pitchFamily="34" charset="0"/>
+                          </a:rPr>
+                        </m:ctrlPr>
+                      </m:dPr>
+                      <m:e>
+                        <m:r>
+                          <a:rPr kumimoji="1" lang="en-US" altLang="ja-JP" b="0" i="1" smtClean="0">
+                            <a:latin typeface="Cambria Math" panose="02040503050406030204" pitchFamily="18" charset="0"/>
+                            <a:cs typeface="Calibri" panose="020F0502020204030204" pitchFamily="34" charset="0"/>
+                          </a:rPr>
+                          <m:t>𝑛</m:t>
+                        </m:r>
+                      </m:e>
+                    </m:d>
+                    <m:r>
+                      <a:rPr kumimoji="1" lang="en-US" altLang="ja-JP" b="0" i="0" smtClean="0">
+                        <a:latin typeface="Cambria Math" panose="02040503050406030204" pitchFamily="18" charset="0"/>
+                        <a:cs typeface="Calibri" panose="020F0502020204030204" pitchFamily="34" charset="0"/>
+                      </a:rPr>
+                      <m:t>= </m:t>
+                    </m:r>
+                    <m:d>
+                      <m:dPr>
+                        <m:begChr m:val="{"/>
+                        <m:endChr m:val=""/>
+                        <m:ctrlPr>
+                          <a:rPr kumimoji="1" lang="en-US" altLang="ja-JP" i="1" smtClean="0">
+                            <a:latin typeface="Cambria Math" panose="02040503050406030204" pitchFamily="18" charset="0"/>
+                            <a:cs typeface="Calibri" panose="020F0502020204030204" pitchFamily="34" charset="0"/>
+                          </a:rPr>
+                        </m:ctrlPr>
+                      </m:dPr>
+                      <m:e>
+                        <m:eqArr>
+                          <m:eqArrPr>
+                            <m:ctrlPr>
+                              <a:rPr kumimoji="1" lang="en-US" altLang="ja-JP" i="1" smtClean="0">
+                                <a:latin typeface="Cambria Math" panose="02040503050406030204" pitchFamily="18" charset="0"/>
+                                <a:cs typeface="Calibri" panose="020F0502020204030204" pitchFamily="34" charset="0"/>
+                              </a:rPr>
+                            </m:ctrlPr>
+                          </m:eqArrPr>
+                          <m:e>
+                            <m:r>
+                              <a:rPr kumimoji="1" lang="en-US" altLang="ja-JP" i="1" smtClean="0">
+                                <a:latin typeface="Cambria Math" panose="02040503050406030204" pitchFamily="18" charset="0"/>
+                                <a:ea typeface="Cambria Math" panose="02040503050406030204" pitchFamily="18" charset="0"/>
+                                <a:cs typeface="Calibri" panose="020F0502020204030204" pitchFamily="34" charset="0"/>
+                              </a:rPr>
+                              <m:t>𝛼</m:t>
+                            </m:r>
+                            <m:r>
+                              <a:rPr kumimoji="1" lang="en-US" altLang="ja-JP" b="0" i="1" smtClean="0">
+                                <a:latin typeface="Cambria Math" panose="02040503050406030204" pitchFamily="18" charset="0"/>
+                                <a:ea typeface="Cambria Math" panose="02040503050406030204" pitchFamily="18" charset="0"/>
+                                <a:cs typeface="Calibri" panose="020F0502020204030204" pitchFamily="34" charset="0"/>
+                              </a:rPr>
+                              <m:t>+</m:t>
+                            </m:r>
+                            <m:d>
+                              <m:dPr>
+                                <m:ctrlPr>
+                                  <a:rPr kumimoji="1" lang="en-US" altLang="ja-JP" b="0" i="1" smtClean="0">
+                                    <a:latin typeface="Cambria Math" panose="02040503050406030204" pitchFamily="18" charset="0"/>
+                                    <a:ea typeface="Cambria Math" panose="02040503050406030204" pitchFamily="18" charset="0"/>
+                                    <a:cs typeface="Calibri" panose="020F0502020204030204" pitchFamily="34" charset="0"/>
+                                  </a:rPr>
+                                </m:ctrlPr>
+                              </m:dPr>
+                              <m:e>
+                                <m:r>
+                                  <a:rPr kumimoji="1" lang="en-US" altLang="ja-JP" b="0" i="1" smtClean="0">
+                                    <a:latin typeface="Cambria Math" panose="02040503050406030204" pitchFamily="18" charset="0"/>
+                                    <a:ea typeface="Cambria Math" panose="02040503050406030204" pitchFamily="18" charset="0"/>
+                                    <a:cs typeface="Calibri" panose="020F0502020204030204" pitchFamily="34" charset="0"/>
+                                  </a:rPr>
+                                  <m:t>1−</m:t>
+                                </m:r>
+                                <m:r>
+                                  <a:rPr kumimoji="1" lang="en-US" altLang="ja-JP" b="0" i="1" smtClean="0">
+                                    <a:latin typeface="Cambria Math" panose="02040503050406030204" pitchFamily="18" charset="0"/>
+                                    <a:ea typeface="Cambria Math" panose="02040503050406030204" pitchFamily="18" charset="0"/>
+                                    <a:cs typeface="Calibri" panose="020F0502020204030204" pitchFamily="34" charset="0"/>
+                                  </a:rPr>
+                                  <m:t>𝛼</m:t>
+                                </m:r>
+                              </m:e>
+                            </m:d>
+                            <m:sSup>
+                              <m:sSupPr>
+                                <m:ctrlPr>
+                                  <a:rPr kumimoji="1" lang="en-US" altLang="ja-JP" b="0" i="1" smtClean="0">
+                                    <a:solidFill>
+                                      <a:srgbClr val="FF0000"/>
+                                    </a:solidFill>
+                                    <a:latin typeface="Cambria Math" panose="02040503050406030204" pitchFamily="18" charset="0"/>
+                                    <a:ea typeface="Cambria Math" panose="02040503050406030204" pitchFamily="18" charset="0"/>
+                                    <a:cs typeface="Calibri" panose="020F0502020204030204" pitchFamily="34" charset="0"/>
+                                  </a:rPr>
+                                </m:ctrlPr>
+                              </m:sSupPr>
+                              <m:e>
+                                <m:r>
+                                  <a:rPr kumimoji="1" lang="en-US" altLang="ja-JP" b="0" i="1" smtClean="0">
+                                    <a:solidFill>
+                                      <a:srgbClr val="FF0000"/>
+                                    </a:solidFill>
+                                    <a:latin typeface="Cambria Math" panose="02040503050406030204" pitchFamily="18" charset="0"/>
+                                    <a:ea typeface="Cambria Math" panose="02040503050406030204" pitchFamily="18" charset="0"/>
+                                    <a:cs typeface="Calibri" panose="020F0502020204030204" pitchFamily="34" charset="0"/>
+                                  </a:rPr>
+                                  <m:t>𝑒</m:t>
+                                </m:r>
+                              </m:e>
+                              <m:sup>
+                                <m:r>
+                                  <a:rPr kumimoji="1" lang="en-US" altLang="ja-JP" b="0" i="1" smtClean="0">
+                                    <a:solidFill>
+                                      <a:srgbClr val="FF0000"/>
+                                    </a:solidFill>
+                                    <a:latin typeface="Cambria Math" panose="02040503050406030204" pitchFamily="18" charset="0"/>
+                                    <a:ea typeface="Cambria Math" panose="02040503050406030204" pitchFamily="18" charset="0"/>
+                                    <a:cs typeface="Calibri" panose="020F0502020204030204" pitchFamily="34" charset="0"/>
+                                  </a:rPr>
+                                  <m:t>−</m:t>
+                                </m:r>
+                                <m:r>
+                                  <a:rPr kumimoji="1" lang="en-US" altLang="ja-JP" b="0" i="1" smtClean="0">
+                                    <a:solidFill>
+                                      <a:srgbClr val="FF0000"/>
+                                    </a:solidFill>
+                                    <a:latin typeface="Cambria Math" panose="02040503050406030204" pitchFamily="18" charset="0"/>
+                                    <a:ea typeface="Cambria Math" panose="02040503050406030204" pitchFamily="18" charset="0"/>
+                                    <a:cs typeface="Calibri" panose="020F0502020204030204" pitchFamily="34" charset="0"/>
+                                  </a:rPr>
+                                  <m:t>𝜆</m:t>
+                                </m:r>
+                              </m:sup>
+                            </m:sSup>
+                            <m:r>
+                              <a:rPr kumimoji="1" lang="en-US" altLang="ja-JP" b="0" i="1" smtClean="0">
+                                <a:latin typeface="Cambria Math" panose="02040503050406030204" pitchFamily="18" charset="0"/>
+                                <a:ea typeface="Cambria Math" panose="02040503050406030204" pitchFamily="18" charset="0"/>
+                                <a:cs typeface="Calibri" panose="020F0502020204030204" pitchFamily="34" charset="0"/>
+                              </a:rPr>
+                              <m:t> ;     </m:t>
+                            </m:r>
+                            <m:r>
+                              <a:rPr kumimoji="1" lang="en-US" altLang="ja-JP" b="0" i="1" smtClean="0">
+                                <a:latin typeface="Cambria Math" panose="02040503050406030204" pitchFamily="18" charset="0"/>
+                                <a:ea typeface="Cambria Math" panose="02040503050406030204" pitchFamily="18" charset="0"/>
+                                <a:cs typeface="Calibri" panose="020F0502020204030204" pitchFamily="34" charset="0"/>
+                              </a:rPr>
+                              <m:t>𝑛</m:t>
+                            </m:r>
+                            <m:r>
+                              <a:rPr kumimoji="1" lang="en-US" altLang="ja-JP" b="0" i="1" smtClean="0">
+                                <a:latin typeface="Cambria Math" panose="02040503050406030204" pitchFamily="18" charset="0"/>
+                                <a:ea typeface="Cambria Math" panose="02040503050406030204" pitchFamily="18" charset="0"/>
+                                <a:cs typeface="Calibri" panose="020F0502020204030204" pitchFamily="34" charset="0"/>
+                              </a:rPr>
+                              <m:t>=0</m:t>
+                            </m:r>
+                          </m:e>
+                          <m:e>
+                            <m:d>
+                              <m:dPr>
+                                <m:ctrlPr>
+                                  <a:rPr kumimoji="1" lang="en-US" altLang="ja-JP" b="0" i="1" smtClean="0">
+                                    <a:latin typeface="Cambria Math" panose="02040503050406030204" pitchFamily="18" charset="0"/>
+                                    <a:cs typeface="Calibri" panose="020F0502020204030204" pitchFamily="34" charset="0"/>
+                                  </a:rPr>
+                                </m:ctrlPr>
+                              </m:dPr>
+                              <m:e>
+                                <m:r>
+                                  <a:rPr kumimoji="1" lang="en-US" altLang="ja-JP" b="0" i="1" smtClean="0">
+                                    <a:latin typeface="Cambria Math" panose="02040503050406030204" pitchFamily="18" charset="0"/>
+                                    <a:cs typeface="Calibri" panose="020F0502020204030204" pitchFamily="34" charset="0"/>
+                                  </a:rPr>
+                                  <m:t>1−</m:t>
+                                </m:r>
+                                <m:r>
+                                  <a:rPr kumimoji="1" lang="en-US" altLang="ja-JP" b="0" i="1" smtClean="0">
+                                    <a:latin typeface="Cambria Math" panose="02040503050406030204" pitchFamily="18" charset="0"/>
+                                    <a:ea typeface="Cambria Math" panose="02040503050406030204" pitchFamily="18" charset="0"/>
+                                    <a:cs typeface="Calibri" panose="020F0502020204030204" pitchFamily="34" charset="0"/>
+                                  </a:rPr>
+                                  <m:t>𝛼</m:t>
+                                </m:r>
+                              </m:e>
+                            </m:d>
+                            <m:f>
+                              <m:fPr>
+                                <m:type m:val="lin"/>
+                                <m:ctrlPr>
+                                  <a:rPr kumimoji="1" lang="en-US" altLang="ja-JP" b="0" i="1" smtClean="0">
+                                    <a:solidFill>
+                                      <a:srgbClr val="FF0000"/>
+                                    </a:solidFill>
+                                    <a:latin typeface="Cambria Math" panose="02040503050406030204" pitchFamily="18" charset="0"/>
+                                    <a:ea typeface="Cambria Math" panose="02040503050406030204" pitchFamily="18" charset="0"/>
+                                    <a:cs typeface="Calibri" panose="020F0502020204030204" pitchFamily="34" charset="0"/>
+                                  </a:rPr>
+                                </m:ctrlPr>
+                              </m:fPr>
+                              <m:num>
+                                <m:sSup>
+                                  <m:sSupPr>
+                                    <m:ctrlPr>
+                                      <a:rPr kumimoji="1" lang="en-US" altLang="ja-JP" b="0" i="1" smtClean="0">
+                                        <a:solidFill>
+                                          <a:srgbClr val="FF0000"/>
+                                        </a:solidFill>
+                                        <a:latin typeface="Cambria Math" panose="02040503050406030204" pitchFamily="18" charset="0"/>
+                                        <a:ea typeface="Cambria Math" panose="02040503050406030204" pitchFamily="18" charset="0"/>
+                                        <a:cs typeface="Calibri" panose="020F0502020204030204" pitchFamily="34" charset="0"/>
+                                      </a:rPr>
+                                    </m:ctrlPr>
+                                  </m:sSupPr>
+                                  <m:e>
+                                    <m:r>
+                                      <a:rPr kumimoji="1" lang="en-US" altLang="ja-JP" b="0" i="1" smtClean="0">
+                                        <a:solidFill>
+                                          <a:srgbClr val="FF0000"/>
+                                        </a:solidFill>
+                                        <a:latin typeface="Cambria Math" panose="02040503050406030204" pitchFamily="18" charset="0"/>
+                                        <a:ea typeface="Cambria Math" panose="02040503050406030204" pitchFamily="18" charset="0"/>
+                                        <a:cs typeface="Calibri" panose="020F0502020204030204" pitchFamily="34" charset="0"/>
+                                      </a:rPr>
+                                      <m:t>𝑒</m:t>
+                                    </m:r>
+                                  </m:e>
+                                  <m:sup>
+                                    <m:r>
+                                      <a:rPr kumimoji="1" lang="en-US" altLang="ja-JP" b="0" i="1" smtClean="0">
+                                        <a:solidFill>
+                                          <a:srgbClr val="FF0000"/>
+                                        </a:solidFill>
+                                        <a:latin typeface="Cambria Math" panose="02040503050406030204" pitchFamily="18" charset="0"/>
+                                        <a:ea typeface="Cambria Math" panose="02040503050406030204" pitchFamily="18" charset="0"/>
+                                        <a:cs typeface="Calibri" panose="020F0502020204030204" pitchFamily="34" charset="0"/>
+                                      </a:rPr>
+                                      <m:t>−</m:t>
+                                    </m:r>
+                                    <m:r>
+                                      <a:rPr kumimoji="1" lang="en-US" altLang="ja-JP" b="0" i="1" smtClean="0">
+                                        <a:solidFill>
+                                          <a:srgbClr val="FF0000"/>
+                                        </a:solidFill>
+                                        <a:latin typeface="Cambria Math" panose="02040503050406030204" pitchFamily="18" charset="0"/>
+                                        <a:ea typeface="Cambria Math" panose="02040503050406030204" pitchFamily="18" charset="0"/>
+                                        <a:cs typeface="Calibri" panose="020F0502020204030204" pitchFamily="34" charset="0"/>
+                                      </a:rPr>
+                                      <m:t>𝜆</m:t>
+                                    </m:r>
+                                  </m:sup>
+                                </m:sSup>
+                                <m:sSup>
+                                  <m:sSupPr>
+                                    <m:ctrlPr>
+                                      <a:rPr kumimoji="1" lang="en-US" altLang="ja-JP" b="0" i="1" smtClean="0">
+                                        <a:solidFill>
+                                          <a:srgbClr val="FF0000"/>
+                                        </a:solidFill>
+                                        <a:latin typeface="Cambria Math" panose="02040503050406030204" pitchFamily="18" charset="0"/>
+                                        <a:ea typeface="Cambria Math" panose="02040503050406030204" pitchFamily="18" charset="0"/>
+                                        <a:cs typeface="Calibri" panose="020F0502020204030204" pitchFamily="34" charset="0"/>
+                                      </a:rPr>
+                                    </m:ctrlPr>
+                                  </m:sSupPr>
+                                  <m:e>
+                                    <m:r>
+                                      <a:rPr kumimoji="1" lang="en-US" altLang="ja-JP" b="0" i="1" smtClean="0">
+                                        <a:solidFill>
+                                          <a:srgbClr val="FF0000"/>
+                                        </a:solidFill>
+                                        <a:latin typeface="Cambria Math" panose="02040503050406030204" pitchFamily="18" charset="0"/>
+                                        <a:ea typeface="Cambria Math" panose="02040503050406030204" pitchFamily="18" charset="0"/>
+                                        <a:cs typeface="Calibri" panose="020F0502020204030204" pitchFamily="34" charset="0"/>
+                                      </a:rPr>
+                                      <m:t>𝜆</m:t>
+                                    </m:r>
+                                  </m:e>
+                                  <m:sup>
+                                    <m:r>
+                                      <a:rPr kumimoji="1" lang="en-US" altLang="ja-JP" b="0" i="1" smtClean="0">
+                                        <a:solidFill>
+                                          <a:srgbClr val="FF0000"/>
+                                        </a:solidFill>
+                                        <a:latin typeface="Cambria Math" panose="02040503050406030204" pitchFamily="18" charset="0"/>
+                                        <a:ea typeface="Cambria Math" panose="02040503050406030204" pitchFamily="18" charset="0"/>
+                                        <a:cs typeface="Calibri" panose="020F0502020204030204" pitchFamily="34" charset="0"/>
+                                      </a:rPr>
+                                      <m:t>𝑛</m:t>
+                                    </m:r>
+                                  </m:sup>
+                                </m:sSup>
+                              </m:num>
+                              <m:den>
+                                <m:r>
+                                  <a:rPr kumimoji="1" lang="en-US" altLang="ja-JP" b="0" i="1" smtClean="0">
+                                    <a:solidFill>
+                                      <a:srgbClr val="FF0000"/>
+                                    </a:solidFill>
+                                    <a:latin typeface="Cambria Math" panose="02040503050406030204" pitchFamily="18" charset="0"/>
+                                    <a:ea typeface="Cambria Math" panose="02040503050406030204" pitchFamily="18" charset="0"/>
+                                    <a:cs typeface="Calibri" panose="020F0502020204030204" pitchFamily="34" charset="0"/>
+                                  </a:rPr>
+                                  <m:t>𝑛</m:t>
+                                </m:r>
+                                <m:r>
+                                  <a:rPr kumimoji="1" lang="en-US" altLang="ja-JP" b="0" i="1" smtClean="0">
+                                    <a:solidFill>
+                                      <a:srgbClr val="FF0000"/>
+                                    </a:solidFill>
+                                    <a:latin typeface="Cambria Math" panose="02040503050406030204" pitchFamily="18" charset="0"/>
+                                    <a:ea typeface="Cambria Math" panose="02040503050406030204" pitchFamily="18" charset="0"/>
+                                    <a:cs typeface="Calibri" panose="020F0502020204030204" pitchFamily="34" charset="0"/>
+                                  </a:rPr>
+                                  <m:t>!</m:t>
+                                </m:r>
+                              </m:den>
+                            </m:f>
+                            <m:r>
+                              <a:rPr kumimoji="1" lang="en-US" altLang="ja-JP" b="0" i="1" smtClean="0">
+                                <a:latin typeface="Cambria Math" panose="02040503050406030204" pitchFamily="18" charset="0"/>
+                                <a:ea typeface="Cambria Math" panose="02040503050406030204" pitchFamily="18" charset="0"/>
+                                <a:cs typeface="Calibri" panose="020F0502020204030204" pitchFamily="34" charset="0"/>
+                              </a:rPr>
+                              <m:t> ; </m:t>
+                            </m:r>
+                            <m:r>
+                              <a:rPr kumimoji="1" lang="en-US" altLang="ja-JP" b="0" i="1" smtClean="0">
+                                <a:latin typeface="Cambria Math" panose="02040503050406030204" pitchFamily="18" charset="0"/>
+                                <a:ea typeface="Cambria Math" panose="02040503050406030204" pitchFamily="18" charset="0"/>
+                                <a:cs typeface="Calibri" panose="020F0502020204030204" pitchFamily="34" charset="0"/>
+                              </a:rPr>
+                              <m:t>𝑛</m:t>
+                            </m:r>
+                            <m:r>
+                              <a:rPr kumimoji="1" lang="en-US" altLang="ja-JP" b="0" i="1" smtClean="0">
+                                <a:latin typeface="Cambria Math" panose="02040503050406030204" pitchFamily="18" charset="0"/>
+                                <a:ea typeface="Cambria Math" panose="02040503050406030204" pitchFamily="18" charset="0"/>
+                                <a:cs typeface="Calibri" panose="020F0502020204030204" pitchFamily="34" charset="0"/>
+                              </a:rPr>
+                              <m:t>≥1</m:t>
+                            </m:r>
+                          </m:e>
+                        </m:eqArr>
+                      </m:e>
+                    </m:d>
+                  </m:oMath>
+                </a14:m>
+                <a:endParaRPr kumimoji="1" lang="en-US" altLang="ja-JP" dirty="0">
+                  <a:latin typeface="Calibri" panose="020F0502020204030204" pitchFamily="34" charset="0"/>
+                  <a:cs typeface="Calibri" panose="020F0502020204030204" pitchFamily="34" charset="0"/>
+                </a:endParaRPr>
+              </a:p>
+              <a:p>
+                <a:r>
+                  <a:rPr kumimoji="1" lang="en-US" altLang="ja-JP" dirty="0">
+                    <a:latin typeface="Calibri" panose="020F0502020204030204" pitchFamily="34" charset="0"/>
+                    <a:cs typeface="Calibri" panose="020F0502020204030204" pitchFamily="34" charset="0"/>
+                  </a:rPr>
+                  <a:t>Almost all crash data show over-dispersion (</a:t>
+                </a:r>
+                <a14:m>
+                  <m:oMath xmlns:m="http://schemas.openxmlformats.org/officeDocument/2006/math">
+                    <m:r>
+                      <a:rPr kumimoji="1" lang="en-US" altLang="ja-JP" i="1">
+                        <a:latin typeface="Cambria Math" panose="02040503050406030204" pitchFamily="18" charset="0"/>
+                        <a:ea typeface="Cambria Math" panose="02040503050406030204" pitchFamily="18" charset="0"/>
+                        <a:cs typeface="Calibri" panose="020F0502020204030204" pitchFamily="34" charset="0"/>
+                      </a:rPr>
+                      <m:t>𝜇</m:t>
+                    </m:r>
+                    <m:r>
+                      <a:rPr kumimoji="1" lang="en-US" altLang="ja-JP" b="0" i="1" smtClean="0">
+                        <a:latin typeface="Cambria Math" panose="02040503050406030204" pitchFamily="18" charset="0"/>
+                        <a:ea typeface="Cambria Math" panose="02040503050406030204" pitchFamily="18" charset="0"/>
+                        <a:cs typeface="Calibri" panose="020F0502020204030204" pitchFamily="34" charset="0"/>
+                      </a:rPr>
+                      <m:t>&lt;</m:t>
+                    </m:r>
+                    <m:r>
+                      <a:rPr kumimoji="1" lang="en-US" altLang="ja-JP" i="1">
+                        <a:latin typeface="Cambria Math" panose="02040503050406030204" pitchFamily="18" charset="0"/>
+                        <a:ea typeface="Cambria Math" panose="02040503050406030204" pitchFamily="18" charset="0"/>
+                        <a:cs typeface="Calibri" panose="020F0502020204030204" pitchFamily="34" charset="0"/>
+                      </a:rPr>
+                      <m:t>𝑣𝑎𝑟</m:t>
+                    </m:r>
+                  </m:oMath>
+                </a14:m>
+                <a:r>
+                  <a:rPr kumimoji="1" lang="en-US" altLang="ja-JP" dirty="0">
+                    <a:latin typeface="Calibri" panose="020F0502020204030204" pitchFamily="34" charset="0"/>
+                    <a:cs typeface="Calibri" panose="020F0502020204030204" pitchFamily="34" charset="0"/>
+                  </a:rPr>
+                  <a:t>), but some data show under-dispersion (</a:t>
+                </a:r>
+                <a14:m>
+                  <m:oMath xmlns:m="http://schemas.openxmlformats.org/officeDocument/2006/math">
+                    <m:r>
+                      <a:rPr kumimoji="1" lang="en-US" altLang="ja-JP" i="1" smtClean="0">
+                        <a:latin typeface="Cambria Math" panose="02040503050406030204" pitchFamily="18" charset="0"/>
+                        <a:ea typeface="Cambria Math" panose="02040503050406030204" pitchFamily="18" charset="0"/>
+                        <a:cs typeface="Calibri" panose="020F0502020204030204" pitchFamily="34" charset="0"/>
+                      </a:rPr>
+                      <m:t>𝜇</m:t>
+                    </m:r>
+                    <m:r>
+                      <a:rPr kumimoji="1" lang="en-US" altLang="ja-JP" b="0" i="1" smtClean="0">
+                        <a:latin typeface="Cambria Math" panose="02040503050406030204" pitchFamily="18" charset="0"/>
+                        <a:ea typeface="Cambria Math" panose="02040503050406030204" pitchFamily="18" charset="0"/>
+                        <a:cs typeface="Calibri" panose="020F0502020204030204" pitchFamily="34" charset="0"/>
+                      </a:rPr>
+                      <m:t>&gt;</m:t>
+                    </m:r>
+                    <m:r>
+                      <a:rPr kumimoji="1" lang="en-US" altLang="ja-JP" b="0" i="1" smtClean="0">
+                        <a:latin typeface="Cambria Math" panose="02040503050406030204" pitchFamily="18" charset="0"/>
+                        <a:ea typeface="Cambria Math" panose="02040503050406030204" pitchFamily="18" charset="0"/>
+                        <a:cs typeface="Calibri" panose="020F0502020204030204" pitchFamily="34" charset="0"/>
+                      </a:rPr>
+                      <m:t>𝑣𝑎𝑟</m:t>
+                    </m:r>
+                  </m:oMath>
+                </a14:m>
+                <a:r>
+                  <a:rPr kumimoji="1" lang="en-US" altLang="ja-JP" dirty="0">
+                    <a:latin typeface="Calibri" panose="020F0502020204030204" pitchFamily="34" charset="0"/>
+                    <a:cs typeface="Calibri" panose="020F0502020204030204" pitchFamily="34" charset="0"/>
+                  </a:rPr>
+                  <a:t>). For these data, </a:t>
+                </a:r>
+                <a:r>
+                  <a:rPr kumimoji="1" lang="en-US" altLang="ja-JP" b="1" dirty="0">
+                    <a:latin typeface="Calibri" panose="020F0502020204030204" pitchFamily="34" charset="0"/>
+                    <a:cs typeface="Calibri" panose="020F0502020204030204" pitchFamily="34" charset="0"/>
+                  </a:rPr>
+                  <a:t>Conway-Maxwell Poisson </a:t>
+                </a:r>
+                <a:r>
+                  <a:rPr kumimoji="1" lang="en-US" altLang="ja-JP" dirty="0">
+                    <a:latin typeface="Calibri" panose="020F0502020204030204" pitchFamily="34" charset="0"/>
+                    <a:cs typeface="Calibri" panose="020F0502020204030204" pitchFamily="34" charset="0"/>
+                  </a:rPr>
+                  <a:t>model is proposed. [</a:t>
+                </a:r>
+                <a:r>
+                  <a:rPr kumimoji="1" lang="en-US" altLang="ja-JP" dirty="0">
+                    <a:latin typeface="Calibri" panose="020F0502020204030204" pitchFamily="34" charset="0"/>
+                    <a:cs typeface="Calibri" panose="020F0502020204030204" pitchFamily="34" charset="0"/>
+                    <a:hlinkClick r:id="rId2" action="ppaction://hlinksldjump"/>
+                  </a:rPr>
+                  <a:t>8</a:t>
+                </a:r>
+                <a:r>
+                  <a:rPr kumimoji="1" lang="en-US" altLang="ja-JP" dirty="0">
+                    <a:latin typeface="Calibri" panose="020F0502020204030204" pitchFamily="34" charset="0"/>
+                    <a:cs typeface="Calibri" panose="020F0502020204030204" pitchFamily="34" charset="0"/>
+                  </a:rPr>
+                  <a:t>]</a:t>
+                </a:r>
+              </a:p>
+            </p:txBody>
+          </p:sp>
+        </mc:Choice>
+        <mc:Fallback>
+          <p:sp>
+            <p:nvSpPr>
+              <p:cNvPr id="3" name="コンテンツ プレースホルダー 2">
+                <a:extLst>
+                  <a:ext uri="{FF2B5EF4-FFF2-40B4-BE49-F238E27FC236}">
+                    <a16:creationId xmlns:a16="http://schemas.microsoft.com/office/drawing/2014/main" id="{F4A95E02-3EFE-27F1-8FC8-86D2B153C830}"/>
+                  </a:ext>
+                </a:extLst>
+              </p:cNvPr>
+              <p:cNvSpPr>
+                <a:spLocks noGrp="1" noRot="1" noChangeAspect="1" noMove="1" noResize="1" noEditPoints="1" noAdjustHandles="1" noChangeArrowheads="1" noChangeShapeType="1" noTextEdit="1"/>
+              </p:cNvSpPr>
+              <p:nvPr>
+                <p:ph idx="1"/>
+              </p:nvPr>
+            </p:nvSpPr>
+            <p:spPr>
+              <a:blipFill>
+                <a:blip r:embed="rId3"/>
+                <a:stretch>
+                  <a:fillRect l="-357" r="-952" b="-32267"/>
+                </a:stretch>
+              </a:blipFill>
+            </p:spPr>
+            <p:txBody>
+              <a:bodyPr/>
+              <a:lstStyle/>
+              <a:p>
+                <a:r>
+                  <a:rPr lang="ja-JP" altLang="en-US">
+                    <a:noFill/>
+                  </a:rPr>
+                  <a:t> </a:t>
+                </a:r>
+              </a:p>
+            </p:txBody>
+          </p:sp>
+        </mc:Fallback>
+      </mc:AlternateContent>
+    </p:spTree>
+    <p:extLst>
+      <p:ext uri="{BB962C8B-B14F-4D97-AF65-F5344CB8AC3E}">
+        <p14:creationId xmlns:p14="http://schemas.microsoft.com/office/powerpoint/2010/main" val="2970938533"/>
+      </p:ext>
+    </p:extLst>
+  </p:cSld>
+  <p:clrMapOvr>
+    <a:masterClrMapping/>
+  </p:clrMapOvr>
+</p:sld>
+</file>
+
+<file path=ppt/slides/slide6.xml><?xml version="1.0" encoding="utf-8"?>
 <p:sld xmlns:a="http://schemas.openxmlformats.org/drawingml/2006/main" xmlns:r="http://schemas.openxmlformats.org/officeDocument/2006/relationships" xmlns:p="http://schemas.openxmlformats.org/presentationml/2006/main">
   <p:cSld>
     <p:spTree>
@@ -7847,7 +9122,7 @@
                 <a:cs typeface="Calibri" panose="020F0502020204030204" pitchFamily="34" charset="0"/>
                 <a:hlinkClick r:id="rId2" action="ppaction://hlinksldjump"/>
               </a:rPr>
-              <a:t>7</a:t>
+              <a:t>9</a:t>
             </a:r>
             <a:r>
               <a:rPr kumimoji="1" lang="en-US" altLang="ja-JP" dirty="0">
@@ -7943,12 +9218,12 @@
               <a:t>Chicago Data Portal Website [</a:t>
             </a:r>
             <a:r>
-              <a:rPr kumimoji="1" lang="en-US" altLang="ja-JP" dirty="0">
+              <a:rPr lang="en-US" altLang="ja-JP" dirty="0">
                 <a:latin typeface="Calibri" panose="020F0502020204030204" pitchFamily="34" charset="0"/>
                 <a:cs typeface="Calibri" panose="020F0502020204030204" pitchFamily="34" charset="0"/>
                 <a:hlinkClick r:id="rId2" action="ppaction://hlinksldjump"/>
               </a:rPr>
-              <a:t>7</a:t>
+              <a:t>9</a:t>
             </a:r>
             <a:r>
               <a:rPr kumimoji="1" lang="en-US" altLang="ja-JP" dirty="0">
@@ -7977,7 +9252,7 @@
 </p:sld>
 </file>
 
-<file path=ppt/slides/slide6.xml><?xml version="1.0" encoding="utf-8"?>
+<file path=ppt/slides/slide7.xml><?xml version="1.0" encoding="utf-8"?>
 <p:sld xmlns:a="http://schemas.openxmlformats.org/drawingml/2006/main" xmlns:r="http://schemas.openxmlformats.org/officeDocument/2006/relationships" xmlns:p="http://schemas.openxmlformats.org/presentationml/2006/main">
   <p:cSld>
     <p:spTree>
@@ -8210,7 +9485,7 @@
 </p:sld>
 </file>
 
-<file path=ppt/slides/slide7.xml><?xml version="1.0" encoding="utf-8"?>
+<file path=ppt/slides/slide8.xml><?xml version="1.0" encoding="utf-8"?>
 <p:sld xmlns:a="http://schemas.openxmlformats.org/drawingml/2006/main" xmlns:r="http://schemas.openxmlformats.org/officeDocument/2006/relationships" xmlns:p="http://schemas.openxmlformats.org/presentationml/2006/main">
   <p:cSld>
     <p:spTree>
@@ -9005,7 +10280,7 @@
 </p:sld>
 </file>
 
-<file path=ppt/slides/slide8.xml><?xml version="1.0" encoding="utf-8"?>
+<file path=ppt/slides/slide9.xml><?xml version="1.0" encoding="utf-8"?>
 <p:sld xmlns:a="http://schemas.openxmlformats.org/drawingml/2006/main" xmlns:r="http://schemas.openxmlformats.org/officeDocument/2006/relationships" xmlns:p="http://schemas.openxmlformats.org/presentationml/2006/main">
   <p:cSld>
     <p:spTree>
@@ -9219,256 +10494,6 @@
     <p:extLst>
       <p:ext uri="{BB962C8B-B14F-4D97-AF65-F5344CB8AC3E}">
         <p14:creationId xmlns:p14="http://schemas.microsoft.com/office/powerpoint/2010/main" val="3056198973"/>
-      </p:ext>
-    </p:extLst>
-  </p:cSld>
-  <p:clrMapOvr>
-    <a:masterClrMapping/>
-  </p:clrMapOvr>
-</p:sld>
-</file>
-
-<file path=ppt/slides/slide9.xml><?xml version="1.0" encoding="utf-8"?>
-<p:sld xmlns:a="http://schemas.openxmlformats.org/drawingml/2006/main" xmlns:r="http://schemas.openxmlformats.org/officeDocument/2006/relationships" xmlns:p="http://schemas.openxmlformats.org/presentationml/2006/main">
-  <p:cSld>
-    <p:spTree>
-      <p:nvGrpSpPr>
-        <p:cNvPr id="1" name="">
-          <a:extLst>
-            <a:ext uri="{FF2B5EF4-FFF2-40B4-BE49-F238E27FC236}">
-              <a16:creationId xmlns:a16="http://schemas.microsoft.com/office/drawing/2014/main" id="{71601826-6D33-B82F-9505-1A6E73ED9200}"/>
-            </a:ext>
-          </a:extLst>
-        </p:cNvPr>
-        <p:cNvGrpSpPr/>
-        <p:nvPr/>
-      </p:nvGrpSpPr>
-      <p:grpSpPr>
-        <a:xfrm>
-          <a:off x="0" y="0"/>
-          <a:ext cx="0" cy="0"/>
-          <a:chOff x="0" y="0"/>
-          <a:chExt cx="0" cy="0"/>
-        </a:xfrm>
-      </p:grpSpPr>
-      <p:sp>
-        <p:nvSpPr>
-          <p:cNvPr id="2" name="タイトル 1">
-            <a:extLst>
-              <a:ext uri="{FF2B5EF4-FFF2-40B4-BE49-F238E27FC236}">
-                <a16:creationId xmlns:a16="http://schemas.microsoft.com/office/drawing/2014/main" id="{68FEE92C-08C4-9F61-7A28-FD02D4835898}"/>
-              </a:ext>
-            </a:extLst>
-          </p:cNvPr>
-          <p:cNvSpPr>
-            <a:spLocks noGrp="1"/>
-          </p:cNvSpPr>
-          <p:nvPr>
-            <p:ph type="title"/>
-          </p:nvPr>
-        </p:nvSpPr>
-        <p:spPr/>
-        <p:txBody>
-          <a:bodyPr/>
-          <a:lstStyle/>
-          <a:p>
-            <a:r>
-              <a:rPr kumimoji="1" lang="en-US" altLang="ja-JP" b="1" dirty="0">
-                <a:latin typeface="Calibri" panose="020F0502020204030204" pitchFamily="34" charset="0"/>
-                <a:cs typeface="Calibri" panose="020F0502020204030204" pitchFamily="34" charset="0"/>
-              </a:rPr>
-              <a:t>Methodology – Data Modeling (2)</a:t>
-            </a:r>
-            <a:endParaRPr kumimoji="1" lang="ja-JP" altLang="en-US" b="1">
-              <a:latin typeface="Calibri" panose="020F0502020204030204" pitchFamily="34" charset="0"/>
-              <a:cs typeface="Calibri" panose="020F0502020204030204" pitchFamily="34" charset="0"/>
-            </a:endParaRPr>
-          </a:p>
-        </p:txBody>
-      </p:sp>
-      <p:sp>
-        <p:nvSpPr>
-          <p:cNvPr id="3" name="コンテンツ プレースホルダー 2">
-            <a:extLst>
-              <a:ext uri="{FF2B5EF4-FFF2-40B4-BE49-F238E27FC236}">
-                <a16:creationId xmlns:a16="http://schemas.microsoft.com/office/drawing/2014/main" id="{4A29F6BE-DBBD-1E68-D84E-90AF1C70B3A2}"/>
-              </a:ext>
-            </a:extLst>
-          </p:cNvPr>
-          <p:cNvSpPr>
-            <a:spLocks noGrp="1"/>
-          </p:cNvSpPr>
-          <p:nvPr>
-            <p:ph idx="1"/>
-          </p:nvPr>
-        </p:nvSpPr>
-        <p:spPr>
-          <a:xfrm>
-            <a:off x="777239" y="1825625"/>
-            <a:ext cx="10659109" cy="4351338"/>
-          </a:xfrm>
-        </p:spPr>
-        <p:txBody>
-          <a:bodyPr/>
-          <a:lstStyle/>
-          <a:p>
-            <a:r>
-              <a:rPr kumimoji="1" lang="en-US" altLang="ja-JP" b="1" dirty="0">
-                <a:latin typeface="Calibri" panose="020F0502020204030204" pitchFamily="34" charset="0"/>
-                <a:cs typeface="Calibri" panose="020F0502020204030204" pitchFamily="34" charset="0"/>
-              </a:rPr>
-              <a:t>GLMs</a:t>
-            </a:r>
-          </a:p>
-          <a:p>
-            <a:pPr lvl="1"/>
-            <a:r>
-              <a:rPr kumimoji="1" lang="en-US" altLang="ja-JP" dirty="0">
-                <a:latin typeface="Calibri" panose="020F0502020204030204" pitchFamily="34" charset="0"/>
-                <a:cs typeface="Calibri" panose="020F0502020204030204" pitchFamily="34" charset="0"/>
-              </a:rPr>
-              <a:t>Building GLMs</a:t>
-            </a:r>
-          </a:p>
-          <a:p>
-            <a:pPr lvl="2"/>
-            <a:r>
-              <a:rPr kumimoji="1" lang="en-US" altLang="ja-JP" dirty="0">
-                <a:latin typeface="Calibri" panose="020F0502020204030204" pitchFamily="34" charset="0"/>
-                <a:cs typeface="Calibri" panose="020F0502020204030204" pitchFamily="34" charset="0"/>
-              </a:rPr>
-              <a:t>Explaining the distribution of the crashes count per 2 hours from month, day of the week, time-frame, severity, community area</a:t>
-            </a:r>
-          </a:p>
-          <a:p>
-            <a:pPr lvl="2"/>
-            <a:r>
-              <a:rPr kumimoji="1" lang="en-US" altLang="ja-JP" dirty="0">
-                <a:latin typeface="Calibri" panose="020F0502020204030204" pitchFamily="34" charset="0"/>
-                <a:cs typeface="Calibri" panose="020F0502020204030204" pitchFamily="34" charset="0"/>
-              </a:rPr>
-              <a:t>Assuming Poisson distribution or negative binomial distribution</a:t>
-            </a:r>
-          </a:p>
-          <a:p>
-            <a:pPr lvl="2"/>
-            <a:endParaRPr kumimoji="1" lang="en-US" altLang="ja-JP" dirty="0">
-              <a:latin typeface="Calibri" panose="020F0502020204030204" pitchFamily="34" charset="0"/>
-              <a:cs typeface="Calibri" panose="020F0502020204030204" pitchFamily="34" charset="0"/>
-            </a:endParaRPr>
-          </a:p>
-          <a:p>
-            <a:pPr lvl="1"/>
-            <a:r>
-              <a:rPr kumimoji="1" lang="en-US" altLang="ja-JP" dirty="0">
-                <a:latin typeface="Calibri" panose="020F0502020204030204" pitchFamily="34" charset="0"/>
-                <a:cs typeface="Calibri" panose="020F0502020204030204" pitchFamily="34" charset="0"/>
-              </a:rPr>
-              <a:t>Evaluating models</a:t>
-            </a:r>
-          </a:p>
-          <a:p>
-            <a:pPr lvl="2"/>
-            <a:r>
-              <a:rPr kumimoji="1" lang="en-US" altLang="ja-JP" dirty="0">
-                <a:latin typeface="Calibri" panose="020F0502020204030204" pitchFamily="34" charset="0"/>
-                <a:cs typeface="Calibri" panose="020F0502020204030204" pitchFamily="34" charset="0"/>
-              </a:rPr>
-              <a:t>AIC</a:t>
-            </a:r>
-          </a:p>
-        </p:txBody>
-      </p:sp>
-      <p:pic>
-        <p:nvPicPr>
-          <p:cNvPr id="7" name="図 6">
-            <a:extLst>
-              <a:ext uri="{FF2B5EF4-FFF2-40B4-BE49-F238E27FC236}">
-                <a16:creationId xmlns:a16="http://schemas.microsoft.com/office/drawing/2014/main" id="{3E4DB593-9957-486E-D25B-F70507D2DC18}"/>
-              </a:ext>
-            </a:extLst>
-          </p:cNvPr>
-          <p:cNvPicPr>
-            <a:picLocks noChangeAspect="1"/>
-          </p:cNvPicPr>
-          <p:nvPr/>
-        </p:nvPicPr>
-        <p:blipFill>
-          <a:blip r:embed="rId2"/>
-          <a:stretch>
-            <a:fillRect/>
-          </a:stretch>
-        </p:blipFill>
-        <p:spPr>
-          <a:xfrm>
-            <a:off x="4024086" y="4632427"/>
-            <a:ext cx="7772400" cy="1991077"/>
-          </a:xfrm>
-          <a:prstGeom prst="rect">
-            <a:avLst/>
-          </a:prstGeom>
-        </p:spPr>
-      </p:pic>
-      <p:sp>
-        <p:nvSpPr>
-          <p:cNvPr id="8" name="テキスト ボックス 7">
-            <a:extLst>
-              <a:ext uri="{FF2B5EF4-FFF2-40B4-BE49-F238E27FC236}">
-                <a16:creationId xmlns:a16="http://schemas.microsoft.com/office/drawing/2014/main" id="{D7A46E78-1D43-2F26-9A9D-6D93CB5B01EB}"/>
-              </a:ext>
-            </a:extLst>
-          </p:cNvPr>
-          <p:cNvSpPr txBox="1"/>
-          <p:nvPr/>
-        </p:nvSpPr>
-        <p:spPr>
-          <a:xfrm>
-            <a:off x="4334531" y="4260040"/>
-            <a:ext cx="7209218" cy="369332"/>
-          </a:xfrm>
-          <a:prstGeom prst="rect">
-            <a:avLst/>
-          </a:prstGeom>
-          <a:noFill/>
-        </p:spPr>
-        <p:txBody>
-          <a:bodyPr wrap="none" rtlCol="0">
-            <a:spAutoFit/>
-          </a:bodyPr>
-          <a:lstStyle/>
-          <a:p>
-            <a:r>
-              <a:rPr kumimoji="1" lang="en" altLang="ja-JP" dirty="0">
-                <a:solidFill>
-                  <a:srgbClr val="0D0D0D"/>
-                </a:solidFill>
-                <a:latin typeface="Calibri" panose="020F0502020204030204" pitchFamily="34" charset="0"/>
-                <a:cs typeface="Calibri" panose="020F0502020204030204" pitchFamily="34" charset="0"/>
-              </a:rPr>
-              <a:t>Distribution</a:t>
-            </a:r>
-            <a:r>
-              <a:rPr lang="en" altLang="ja-JP" b="0" i="0" dirty="0">
-                <a:solidFill>
-                  <a:srgbClr val="0D0D0D"/>
-                </a:solidFill>
-                <a:effectLst/>
-                <a:latin typeface="Calibri" panose="020F0502020204030204" pitchFamily="34" charset="0"/>
-                <a:cs typeface="Calibri" panose="020F0502020204030204" pitchFamily="34" charset="0"/>
-              </a:rPr>
-              <a:t> of traffic accident occurrences for each severity level in Austin</a:t>
-            </a:r>
-            <a:endParaRPr kumimoji="1" lang="ja-JP" altLang="en-US">
-              <a:latin typeface="Calibri" panose="020F0502020204030204" pitchFamily="34" charset="0"/>
-              <a:cs typeface="Calibri" panose="020F0502020204030204" pitchFamily="34" charset="0"/>
-            </a:endParaRPr>
-          </a:p>
-        </p:txBody>
-      </p:sp>
-    </p:spTree>
-    <p:extLst>
-      <p:ext uri="{BB962C8B-B14F-4D97-AF65-F5344CB8AC3E}">
-        <p14:creationId xmlns:p14="http://schemas.microsoft.com/office/powerpoint/2010/main" val="3900829479"/>
       </p:ext>
     </p:extLst>
   </p:cSld>
